--- a/Vendor_Boards/Great_Cow_Basic_Demo_Board/16F17556_chiprange_demonstrations/tutorials/GCBASIC_Part11_I2C.pptx
+++ b/Vendor_Boards/Great_Cow_Basic_Demo_Board/16F17556_chiprange_demonstrations/tutorials/GCBASIC_Part11_I2C.pptx
@@ -14,13 +14,13 @@
     <p:sldId id="294" r:id="rId2"/>
     <p:sldId id="256" r:id="rId3"/>
     <p:sldId id="295" r:id="rId4"/>
-    <p:sldId id="283" r:id="rId5"/>
-    <p:sldId id="296" r:id="rId6"/>
+    <p:sldId id="351" r:id="rId5"/>
+    <p:sldId id="352" r:id="rId6"/>
     <p:sldId id="282" r:id="rId7"/>
     <p:sldId id="291" r:id="rId8"/>
     <p:sldId id="342" r:id="rId9"/>
-    <p:sldId id="348" r:id="rId10"/>
-    <p:sldId id="350" r:id="rId11"/>
+    <p:sldId id="353" r:id="rId10"/>
+    <p:sldId id="354" r:id="rId11"/>
     <p:sldId id="345" r:id="rId12"/>
     <p:sldId id="349" r:id="rId13"/>
     <p:sldId id="346" r:id="rId14"/>
@@ -212,7 +212,7 @@
             <a:fld id="{742E545A-AB39-44F0-B5A6-04A90C6C9399}" type="datetimeFigureOut">
               <a:rPr lang="en-GB" smtClean="0"/>
               <a:pPr/>
-              <a:t>01/12/2024</a:t>
+              <a:t>05/12/2025</a:t>
             </a:fld>
             <a:endParaRPr lang="en-GB" dirty="0"/>
           </a:p>
@@ -379,7 +379,7 @@
             <a:fld id="{FF100B3C-2E11-428B-8555-A77018253716}" type="datetimeFigureOut">
               <a:rPr lang="en-GB" smtClean="0"/>
               <a:pPr/>
-              <a:t>01/12/2024</a:t>
+              <a:t>05/12/2025</a:t>
             </a:fld>
             <a:endParaRPr lang="en-GB" dirty="0"/>
           </a:p>
@@ -1294,7 +1294,7 @@
             <a:fld id="{C473AACB-D821-4991-9D88-46EB8D29E619}" type="datetimeFigureOut">
               <a:rPr lang="en-GB" smtClean="0"/>
               <a:pPr/>
-              <a:t>01/12/2024</a:t>
+              <a:t>05/12/2025</a:t>
             </a:fld>
             <a:endParaRPr lang="en-GB" dirty="0"/>
           </a:p>
@@ -1588,7 +1588,7 @@
             <a:fld id="{C473AACB-D821-4991-9D88-46EB8D29E619}" type="datetimeFigureOut">
               <a:rPr lang="en-GB" smtClean="0"/>
               <a:pPr/>
-              <a:t>01/12/2024</a:t>
+              <a:t>05/12/2025</a:t>
             </a:fld>
             <a:endParaRPr lang="en-GB" dirty="0"/>
           </a:p>
@@ -1841,7 +1841,7 @@
             <a:fld id="{C473AACB-D821-4991-9D88-46EB8D29E619}" type="datetimeFigureOut">
               <a:rPr lang="en-GB" smtClean="0"/>
               <a:pPr/>
-              <a:t>01/12/2024</a:t>
+              <a:t>05/12/2025</a:t>
             </a:fld>
             <a:endParaRPr lang="en-GB" dirty="0"/>
           </a:p>
@@ -2186,7 +2186,7 @@
             <a:fld id="{C473AACB-D821-4991-9D88-46EB8D29E619}" type="datetimeFigureOut">
               <a:rPr lang="en-GB" smtClean="0"/>
               <a:pPr/>
-              <a:t>01/12/2024</a:t>
+              <a:t>05/12/2025</a:t>
             </a:fld>
             <a:endParaRPr lang="en-GB" dirty="0"/>
           </a:p>
@@ -2558,7 +2558,7 @@
             <a:fld id="{C473AACB-D821-4991-9D88-46EB8D29E619}" type="datetimeFigureOut">
               <a:rPr lang="en-GB" smtClean="0"/>
               <a:pPr/>
-              <a:t>01/12/2024</a:t>
+              <a:t>05/12/2025</a:t>
             </a:fld>
             <a:endParaRPr lang="en-GB" dirty="0"/>
           </a:p>
@@ -2904,7 +2904,7 @@
             <a:fld id="{C473AACB-D821-4991-9D88-46EB8D29E619}" type="datetimeFigureOut">
               <a:rPr lang="en-GB" smtClean="0"/>
               <a:pPr/>
-              <a:t>01/12/2024</a:t>
+              <a:t>05/12/2025</a:t>
             </a:fld>
             <a:endParaRPr lang="en-GB" dirty="0"/>
           </a:p>
@@ -3328,7 +3328,7 @@
             <a:fld id="{C473AACB-D821-4991-9D88-46EB8D29E619}" type="datetimeFigureOut">
               <a:rPr lang="en-GB" smtClean="0"/>
               <a:pPr/>
-              <a:t>01/12/2024</a:t>
+              <a:t>05/12/2025</a:t>
             </a:fld>
             <a:endParaRPr lang="en-GB" dirty="0"/>
           </a:p>
@@ -3563,7 +3563,7 @@
             <a:fld id="{C473AACB-D821-4991-9D88-46EB8D29E619}" type="datetimeFigureOut">
               <a:rPr lang="en-GB" smtClean="0"/>
               <a:pPr/>
-              <a:t>01/12/2024</a:t>
+              <a:t>05/12/2025</a:t>
             </a:fld>
             <a:endParaRPr lang="en-GB" dirty="0"/>
           </a:p>
@@ -3774,7 +3774,7 @@
             <a:fld id="{C473AACB-D821-4991-9D88-46EB8D29E619}" type="datetimeFigureOut">
               <a:rPr lang="en-GB" smtClean="0"/>
               <a:pPr/>
-              <a:t>01/12/2024</a:t>
+              <a:t>05/12/2025</a:t>
             </a:fld>
             <a:endParaRPr lang="en-GB" dirty="0"/>
           </a:p>
@@ -3992,7 +3992,7 @@
             <a:fld id="{C473AACB-D821-4991-9D88-46EB8D29E619}" type="datetimeFigureOut">
               <a:rPr lang="en-GB" smtClean="0"/>
               <a:pPr/>
-              <a:t>01/12/2024</a:t>
+              <a:t>05/12/2025</a:t>
             </a:fld>
             <a:endParaRPr lang="en-GB" dirty="0"/>
           </a:p>
@@ -4807,7 +4807,7 @@
             <a:fld id="{C473AACB-D821-4991-9D88-46EB8D29E619}" type="datetimeFigureOut">
               <a:rPr lang="en-GB" smtClean="0"/>
               <a:pPr/>
-              <a:t>01/12/2024</a:t>
+              <a:t>05/12/2025</a:t>
             </a:fld>
             <a:endParaRPr lang="en-GB" dirty="0"/>
           </a:p>
@@ -5621,7 +5621,7 @@
             <a:fld id="{C473AACB-D821-4991-9D88-46EB8D29E619}" type="datetimeFigureOut">
               <a:rPr lang="en-GB" smtClean="0"/>
               <a:pPr/>
-              <a:t>01/12/2024</a:t>
+              <a:t>05/12/2025</a:t>
             </a:fld>
             <a:endParaRPr lang="en-GB" dirty="0"/>
           </a:p>
@@ -5870,7 +5870,7 @@
             <a:fld id="{C473AACB-D821-4991-9D88-46EB8D29E619}" type="datetimeFigureOut">
               <a:rPr lang="en-GB" smtClean="0"/>
               <a:pPr/>
-              <a:t>01/12/2024</a:t>
+              <a:t>05/12/2025</a:t>
             </a:fld>
             <a:endParaRPr lang="en-GB" dirty="0"/>
           </a:p>
@@ -6134,7 +6134,7 @@
             <a:fld id="{C473AACB-D821-4991-9D88-46EB8D29E619}" type="datetimeFigureOut">
               <a:rPr lang="en-GB" smtClean="0"/>
               <a:pPr/>
-              <a:t>01/12/2024</a:t>
+              <a:t>05/12/2025</a:t>
             </a:fld>
             <a:endParaRPr lang="en-GB" dirty="0"/>
           </a:p>
@@ -6574,7 +6574,7 @@
             <a:fld id="{C473AACB-D821-4991-9D88-46EB8D29E619}" type="datetimeFigureOut">
               <a:rPr lang="en-GB" smtClean="0"/>
               <a:pPr/>
-              <a:t>01/12/2024</a:t>
+              <a:t>05/12/2025</a:t>
             </a:fld>
             <a:endParaRPr lang="en-GB" dirty="0"/>
           </a:p>
@@ -6729,7 +6729,7 @@
             <a:fld id="{C473AACB-D821-4991-9D88-46EB8D29E619}" type="datetimeFigureOut">
               <a:rPr lang="en-GB" smtClean="0"/>
               <a:pPr/>
-              <a:t>01/12/2024</a:t>
+              <a:t>05/12/2025</a:t>
             </a:fld>
             <a:endParaRPr lang="en-GB" dirty="0"/>
           </a:p>
@@ -6826,7 +6826,7 @@
             <a:fld id="{C473AACB-D821-4991-9D88-46EB8D29E619}" type="datetimeFigureOut">
               <a:rPr lang="en-GB" smtClean="0"/>
               <a:pPr/>
-              <a:t>01/12/2024</a:t>
+              <a:t>05/12/2025</a:t>
             </a:fld>
             <a:endParaRPr lang="en-GB" dirty="0"/>
           </a:p>
@@ -7603,7 +7603,7 @@
             <a:fld id="{C473AACB-D821-4991-9D88-46EB8D29E619}" type="datetimeFigureOut">
               <a:rPr lang="en-GB" smtClean="0"/>
               <a:pPr/>
-              <a:t>01/12/2024</a:t>
+              <a:t>05/12/2025</a:t>
             </a:fld>
             <a:endParaRPr lang="en-GB" dirty="0"/>
           </a:p>
@@ -8177,7 +8177,7 @@
           <a:p>
             <a:r>
               <a:rPr lang="en-GB" dirty="0" smtClean="0"/>
-              <a:t>PIC18FxxQ24</a:t>
+              <a:t>PIC16F175xx</a:t>
             </a:r>
           </a:p>
           <a:p>
@@ -8236,87 +8236,817 @@
             <p:ph type="title"/>
           </p:nvPr>
         </p:nvSpPr>
-        <p:spPr/>
-        <p:txBody>
-          <a:bodyPr/>
+        <p:spPr>
+          <a:xfrm>
+            <a:off x="155575" y="501030"/>
+            <a:ext cx="5400600" cy="990600"/>
+          </a:xfrm>
+        </p:spPr>
+        <p:txBody>
+          <a:bodyPr vert="horz" lIns="85064" tIns="42531" rIns="85064" bIns="42531" rtlCol="0" anchor="t">
+            <a:normAutofit/>
+          </a:bodyPr>
           <a:lstStyle/>
           <a:p>
             <a:r>
               <a:rPr lang="en-GB" dirty="0" smtClean="0"/>
-              <a:t>Power Domain – VDDIO2</a:t>
+              <a:t>Hardware</a:t>
             </a:r>
             <a:endParaRPr lang="en-GB" dirty="0"/>
           </a:p>
         </p:txBody>
       </p:sp>
-      <p:pic>
-        <p:nvPicPr>
-          <p:cNvPr id="4" name="Picture 2"/>
-          <p:cNvPicPr>
-            <a:picLocks noChangeAspect="1" noChangeArrowheads="1"/>
-          </p:cNvPicPr>
+      <p:sp>
+        <p:nvSpPr>
+          <p:cNvPr id="5" name="AutoShape 4" descr="Uploaded image"/>
+          <p:cNvSpPr>
+            <a:spLocks noChangeAspect="1" noChangeArrowheads="1"/>
+          </p:cNvSpPr>
           <p:nvPr/>
-        </p:nvPicPr>
-        <p:blipFill>
-          <a:blip r:embed="rId2">
-            <a:extLst>
-              <a:ext uri="{28A0092B-C50C-407E-A947-70E740481C1C}">
-                <a14:useLocalDpi xmlns:a14="http://schemas.microsoft.com/office/drawing/2010/main" val="0"/>
-              </a:ext>
-            </a:extLst>
-          </a:blip>
-          <a:srcRect/>
-          <a:stretch>
-            <a:fillRect/>
-          </a:stretch>
-        </p:blipFill>
+        </p:nvSpPr>
         <p:spPr bwMode="auto">
           <a:xfrm>
-            <a:off x="1619672" y="987574"/>
-            <a:ext cx="4680520" cy="4086415"/>
+            <a:off x="155575" y="-144463"/>
+            <a:ext cx="304800" cy="304801"/>
           </a:xfrm>
           <a:prstGeom prst="rect">
             <a:avLst/>
           </a:prstGeom>
           <a:noFill/>
-          <a:ln>
-            <a:noFill/>
-          </a:ln>
-          <a:effectLst/>
           <a:extLst>
             <a:ext uri="{909E8E84-426E-40DD-AFC4-6F175D3DCCD1}">
               <a14:hiddenFill xmlns:a14="http://schemas.microsoft.com/office/drawing/2010/main">
                 <a:solidFill>
-                  <a:schemeClr val="accent1"/>
+                  <a:srgbClr val="FFFFFF"/>
                 </a:solidFill>
               </a14:hiddenFill>
-            </a:ext>
-            <a:ext uri="{91240B29-F687-4F45-9708-019B960494DF}">
-              <a14:hiddenLine xmlns:a14="http://schemas.microsoft.com/office/drawing/2010/main" w="9525">
-                <a:solidFill>
-                  <a:schemeClr val="tx1"/>
-                </a:solidFill>
-                <a:miter lim="800000"/>
-                <a:headEnd/>
-                <a:tailEnd/>
-              </a14:hiddenLine>
-            </a:ext>
-            <a:ext uri="{AF507438-7753-43E0-B8FC-AC1667EBCBE1}">
-              <a14:hiddenEffects xmlns:a14="http://schemas.microsoft.com/office/drawing/2010/main">
-                <a:effectLst>
-                  <a:outerShdw dist="35921" dir="2700000" algn="ctr" rotWithShape="0">
-                    <a:schemeClr val="bg2"/>
-                  </a:outerShdw>
-                </a:effectLst>
-              </a14:hiddenEffects>
             </a:ext>
           </a:extLst>
         </p:spPr>
-      </p:pic>
+        <p:txBody>
+          <a:bodyPr vert="horz" wrap="square" lIns="91440" tIns="45720" rIns="91440" bIns="45720" numCol="1" anchor="t" anchorCtr="0" compatLnSpc="1">
+            <a:prstTxWarp prst="textNoShape">
+              <a:avLst/>
+            </a:prstTxWarp>
+          </a:bodyPr>
+          <a:lstStyle/>
+          <a:p>
+            <a:endParaRPr lang="en-GB"/>
+          </a:p>
+        </p:txBody>
+      </p:sp>
+      <p:sp>
+        <p:nvSpPr>
+          <p:cNvPr id="8" name="AutoShape 6" descr="Uploaded image"/>
+          <p:cNvSpPr>
+            <a:spLocks noChangeAspect="1" noChangeArrowheads="1"/>
+          </p:cNvSpPr>
+          <p:nvPr/>
+        </p:nvSpPr>
+        <p:spPr bwMode="auto">
+          <a:xfrm>
+            <a:off x="307975" y="7937"/>
+            <a:ext cx="304800" cy="304801"/>
+          </a:xfrm>
+          <a:prstGeom prst="rect">
+            <a:avLst/>
+          </a:prstGeom>
+          <a:noFill/>
+          <a:extLst>
+            <a:ext uri="{909E8E84-426E-40DD-AFC4-6F175D3DCCD1}">
+              <a14:hiddenFill xmlns:a14="http://schemas.microsoft.com/office/drawing/2010/main">
+                <a:solidFill>
+                  <a:srgbClr val="FFFFFF"/>
+                </a:solidFill>
+              </a14:hiddenFill>
+            </a:ext>
+          </a:extLst>
+        </p:spPr>
+        <p:txBody>
+          <a:bodyPr vert="horz" wrap="square" lIns="91440" tIns="45720" rIns="91440" bIns="45720" numCol="1" anchor="t" anchorCtr="0" compatLnSpc="1">
+            <a:prstTxWarp prst="textNoShape">
+              <a:avLst/>
+            </a:prstTxWarp>
+          </a:bodyPr>
+          <a:lstStyle/>
+          <a:p>
+            <a:endParaRPr lang="en-GB"/>
+          </a:p>
+        </p:txBody>
+      </p:sp>
+      <p:sp>
+        <p:nvSpPr>
+          <p:cNvPr id="11" name="AutoShape 8" descr="image.png"/>
+          <p:cNvSpPr>
+            <a:spLocks noChangeAspect="1" noChangeArrowheads="1"/>
+          </p:cNvSpPr>
+          <p:nvPr/>
+        </p:nvSpPr>
+        <p:spPr bwMode="auto">
+          <a:xfrm>
+            <a:off x="460375" y="160337"/>
+            <a:ext cx="304800" cy="304801"/>
+          </a:xfrm>
+          <a:prstGeom prst="rect">
+            <a:avLst/>
+          </a:prstGeom>
+          <a:noFill/>
+          <a:extLst>
+            <a:ext uri="{909E8E84-426E-40DD-AFC4-6F175D3DCCD1}">
+              <a14:hiddenFill xmlns:a14="http://schemas.microsoft.com/office/drawing/2010/main">
+                <a:solidFill>
+                  <a:srgbClr val="FFFFFF"/>
+                </a:solidFill>
+              </a14:hiddenFill>
+            </a:ext>
+          </a:extLst>
+        </p:spPr>
+        <p:txBody>
+          <a:bodyPr vert="horz" wrap="square" lIns="91440" tIns="45720" rIns="91440" bIns="45720" numCol="1" anchor="t" anchorCtr="0" compatLnSpc="1">
+            <a:prstTxWarp prst="textNoShape">
+              <a:avLst/>
+            </a:prstTxWarp>
+          </a:bodyPr>
+          <a:lstStyle/>
+          <a:p>
+            <a:endParaRPr lang="en-GB"/>
+          </a:p>
+        </p:txBody>
+      </p:sp>
+      <p:grpSp>
+        <p:nvGrpSpPr>
+          <p:cNvPr id="25" name="Group 24"/>
+          <p:cNvGrpSpPr/>
+          <p:nvPr/>
+        </p:nvGrpSpPr>
+        <p:grpSpPr>
+          <a:xfrm>
+            <a:off x="547911" y="1563638"/>
+            <a:ext cx="4384129" cy="2952328"/>
+            <a:chOff x="1043608" y="1563638"/>
+            <a:chExt cx="4384129" cy="2952328"/>
+          </a:xfrm>
+        </p:grpSpPr>
+        <p:pic>
+          <p:nvPicPr>
+            <p:cNvPr id="1036" name="Picture 12"/>
+            <p:cNvPicPr>
+              <a:picLocks noChangeAspect="1" noChangeArrowheads="1"/>
+            </p:cNvPicPr>
+            <p:nvPr/>
+          </p:nvPicPr>
+          <p:blipFill>
+            <a:blip r:embed="rId2">
+              <a:extLst>
+                <a:ext uri="{28A0092B-C50C-407E-A947-70E740481C1C}">
+                  <a14:useLocalDpi xmlns:a14="http://schemas.microsoft.com/office/drawing/2010/main" val="0"/>
+                </a:ext>
+              </a:extLst>
+            </a:blip>
+            <a:srcRect/>
+            <a:stretch>
+              <a:fillRect/>
+            </a:stretch>
+          </p:blipFill>
+          <p:spPr bwMode="auto">
+            <a:xfrm>
+              <a:off x="1043608" y="1563638"/>
+              <a:ext cx="1476375" cy="2924175"/>
+            </a:xfrm>
+            <a:prstGeom prst="rect">
+              <a:avLst/>
+            </a:prstGeom>
+            <a:noFill/>
+            <a:ln>
+              <a:noFill/>
+            </a:ln>
+            <a:effectLst/>
+            <a:extLst>
+              <a:ext uri="{909E8E84-426E-40DD-AFC4-6F175D3DCCD1}">
+                <a14:hiddenFill xmlns:a14="http://schemas.microsoft.com/office/drawing/2010/main">
+                  <a:solidFill>
+                    <a:schemeClr val="accent1"/>
+                  </a:solidFill>
+                </a14:hiddenFill>
+              </a:ext>
+              <a:ext uri="{91240B29-F687-4F45-9708-019B960494DF}">
+                <a14:hiddenLine xmlns:a14="http://schemas.microsoft.com/office/drawing/2010/main" w="9525">
+                  <a:solidFill>
+                    <a:schemeClr val="tx1"/>
+                  </a:solidFill>
+                  <a:miter lim="800000"/>
+                  <a:headEnd/>
+                  <a:tailEnd/>
+                </a14:hiddenLine>
+              </a:ext>
+              <a:ext uri="{AF507438-7753-43E0-B8FC-AC1667EBCBE1}">
+                <a14:hiddenEffects xmlns:a14="http://schemas.microsoft.com/office/drawing/2010/main">
+                  <a:effectLst>
+                    <a:outerShdw dist="35921" dir="2700000" algn="ctr" rotWithShape="0">
+                      <a:schemeClr val="bg2"/>
+                    </a:outerShdw>
+                  </a:effectLst>
+                </a14:hiddenEffects>
+              </a:ext>
+            </a:extLst>
+          </p:spPr>
+        </p:pic>
+        <p:pic>
+          <p:nvPicPr>
+            <p:cNvPr id="1037" name="Picture 13"/>
+            <p:cNvPicPr>
+              <a:picLocks noChangeAspect="1" noChangeArrowheads="1"/>
+            </p:cNvPicPr>
+            <p:nvPr/>
+          </p:nvPicPr>
+          <p:blipFill>
+            <a:blip r:embed="rId3">
+              <a:extLst>
+                <a:ext uri="{28A0092B-C50C-407E-A947-70E740481C1C}">
+                  <a14:useLocalDpi xmlns:a14="http://schemas.microsoft.com/office/drawing/2010/main" val="0"/>
+                </a:ext>
+              </a:extLst>
+            </a:blip>
+            <a:srcRect/>
+            <a:stretch>
+              <a:fillRect/>
+            </a:stretch>
+          </p:blipFill>
+          <p:spPr bwMode="auto">
+            <a:xfrm>
+              <a:off x="3779912" y="1565118"/>
+              <a:ext cx="1647825" cy="2950848"/>
+            </a:xfrm>
+            <a:prstGeom prst="rect">
+              <a:avLst/>
+            </a:prstGeom>
+            <a:noFill/>
+            <a:ln>
+              <a:noFill/>
+            </a:ln>
+            <a:effectLst/>
+            <a:extLst>
+              <a:ext uri="{909E8E84-426E-40DD-AFC4-6F175D3DCCD1}">
+                <a14:hiddenFill xmlns:a14="http://schemas.microsoft.com/office/drawing/2010/main">
+                  <a:solidFill>
+                    <a:schemeClr val="accent1"/>
+                  </a:solidFill>
+                </a14:hiddenFill>
+              </a:ext>
+              <a:ext uri="{91240B29-F687-4F45-9708-019B960494DF}">
+                <a14:hiddenLine xmlns:a14="http://schemas.microsoft.com/office/drawing/2010/main" w="9525">
+                  <a:solidFill>
+                    <a:schemeClr val="tx1"/>
+                  </a:solidFill>
+                  <a:miter lim="800000"/>
+                  <a:headEnd/>
+                  <a:tailEnd/>
+                </a14:hiddenLine>
+              </a:ext>
+              <a:ext uri="{AF507438-7753-43E0-B8FC-AC1667EBCBE1}">
+                <a14:hiddenEffects xmlns:a14="http://schemas.microsoft.com/office/drawing/2010/main">
+                  <a:effectLst>
+                    <a:outerShdw dist="35921" dir="2700000" algn="ctr" rotWithShape="0">
+                      <a:schemeClr val="bg2"/>
+                    </a:outerShdw>
+                  </a:effectLst>
+                </a14:hiddenEffects>
+              </a:ext>
+            </a:extLst>
+          </p:spPr>
+        </p:pic>
+        <p:sp>
+          <p:nvSpPr>
+            <p:cNvPr id="24" name="Rectangle 23"/>
+            <p:cNvSpPr/>
+            <p:nvPr/>
+          </p:nvSpPr>
+          <p:spPr>
+            <a:xfrm>
+              <a:off x="2555776" y="1563638"/>
+              <a:ext cx="1152128" cy="2894062"/>
+            </a:xfrm>
+            <a:prstGeom prst="rect">
+              <a:avLst/>
+            </a:prstGeom>
+            <a:solidFill>
+              <a:schemeClr val="bg1"/>
+            </a:solidFill>
+          </p:spPr>
+          <p:style>
+            <a:lnRef idx="2">
+              <a:schemeClr val="accent1">
+                <a:shade val="50000"/>
+              </a:schemeClr>
+            </a:lnRef>
+            <a:fillRef idx="1">
+              <a:schemeClr val="accent1"/>
+            </a:fillRef>
+            <a:effectRef idx="0">
+              <a:schemeClr val="accent1"/>
+            </a:effectRef>
+            <a:fontRef idx="minor">
+              <a:schemeClr val="lt1"/>
+            </a:fontRef>
+          </p:style>
+          <p:txBody>
+            <a:bodyPr rtlCol="0" anchor="ctr"/>
+            <a:lstStyle/>
+            <a:p>
+              <a:pPr algn="ctr"/>
+              <a:endParaRPr lang="en-GB" dirty="0"/>
+            </a:p>
+          </p:txBody>
+        </p:sp>
+      </p:grpSp>
+      <p:sp>
+        <p:nvSpPr>
+          <p:cNvPr id="26" name="Rectangle 25"/>
+          <p:cNvSpPr/>
+          <p:nvPr/>
+        </p:nvSpPr>
+        <p:spPr>
+          <a:xfrm>
+            <a:off x="515615" y="1804416"/>
+            <a:ext cx="2120528" cy="180000"/>
+          </a:xfrm>
+          <a:prstGeom prst="rect">
+            <a:avLst/>
+          </a:prstGeom>
+          <a:noFill/>
+          <a:ln w="38100">
+            <a:solidFill>
+              <a:srgbClr val="FF0000"/>
+            </a:solidFill>
+          </a:ln>
+        </p:spPr>
+        <p:style>
+          <a:lnRef idx="2">
+            <a:schemeClr val="accent1">
+              <a:shade val="50000"/>
+            </a:schemeClr>
+          </a:lnRef>
+          <a:fillRef idx="1">
+            <a:schemeClr val="accent1"/>
+          </a:fillRef>
+          <a:effectRef idx="0">
+            <a:schemeClr val="accent1"/>
+          </a:effectRef>
+          <a:fontRef idx="minor">
+            <a:schemeClr val="lt1"/>
+          </a:fontRef>
+        </p:style>
+        <p:txBody>
+          <a:bodyPr rtlCol="0" anchor="ctr"/>
+          <a:lstStyle/>
+          <a:p>
+            <a:pPr algn="r"/>
+            <a:r>
+              <a:rPr lang="en-GB" sz="1100" dirty="0" smtClean="0">
+                <a:solidFill>
+                  <a:schemeClr val="tx1"/>
+                </a:solidFill>
+              </a:rPr>
+              <a:t>ADC</a:t>
+            </a:r>
+            <a:endParaRPr lang="en-GB" sz="1100" dirty="0">
+              <a:solidFill>
+                <a:schemeClr val="tx1"/>
+              </a:solidFill>
+            </a:endParaRPr>
+          </a:p>
+        </p:txBody>
+      </p:sp>
+      <p:sp>
+        <p:nvSpPr>
+          <p:cNvPr id="15" name="Rectangle 14"/>
+          <p:cNvSpPr/>
+          <p:nvPr/>
+        </p:nvSpPr>
+        <p:spPr>
+          <a:xfrm>
+            <a:off x="460375" y="3435846"/>
+            <a:ext cx="2120528" cy="864096"/>
+          </a:xfrm>
+          <a:prstGeom prst="rect">
+            <a:avLst/>
+          </a:prstGeom>
+          <a:noFill/>
+          <a:ln w="38100">
+            <a:solidFill>
+              <a:srgbClr val="FF0000"/>
+            </a:solidFill>
+          </a:ln>
+        </p:spPr>
+        <p:style>
+          <a:lnRef idx="2">
+            <a:schemeClr val="accent1">
+              <a:shade val="50000"/>
+            </a:schemeClr>
+          </a:lnRef>
+          <a:fillRef idx="1">
+            <a:schemeClr val="accent1"/>
+          </a:fillRef>
+          <a:effectRef idx="0">
+            <a:schemeClr val="accent1"/>
+          </a:effectRef>
+          <a:fontRef idx="minor">
+            <a:schemeClr val="lt1"/>
+          </a:fontRef>
+        </p:style>
+        <p:txBody>
+          <a:bodyPr rtlCol="0" anchor="ctr"/>
+          <a:lstStyle/>
+          <a:p>
+            <a:pPr algn="r"/>
+            <a:r>
+              <a:rPr lang="en-GB" sz="1100" dirty="0" smtClean="0">
+                <a:solidFill>
+                  <a:schemeClr val="tx1"/>
+                </a:solidFill>
+              </a:rPr>
+              <a:t>LED</a:t>
+            </a:r>
+            <a:endParaRPr lang="en-GB" sz="1100" dirty="0">
+              <a:solidFill>
+                <a:schemeClr val="tx1"/>
+              </a:solidFill>
+            </a:endParaRPr>
+          </a:p>
+        </p:txBody>
+      </p:sp>
+      <p:sp>
+        <p:nvSpPr>
+          <p:cNvPr id="16" name="Rectangle 15"/>
+          <p:cNvSpPr/>
+          <p:nvPr/>
+        </p:nvSpPr>
+        <p:spPr>
+          <a:xfrm>
+            <a:off x="519448" y="2355726"/>
+            <a:ext cx="2120528" cy="180000"/>
+          </a:xfrm>
+          <a:prstGeom prst="rect">
+            <a:avLst/>
+          </a:prstGeom>
+          <a:noFill/>
+          <a:ln w="38100">
+            <a:solidFill>
+              <a:srgbClr val="FF0000"/>
+            </a:solidFill>
+          </a:ln>
+        </p:spPr>
+        <p:style>
+          <a:lnRef idx="2">
+            <a:schemeClr val="accent1">
+              <a:shade val="50000"/>
+            </a:schemeClr>
+          </a:lnRef>
+          <a:fillRef idx="1">
+            <a:schemeClr val="accent1"/>
+          </a:fillRef>
+          <a:effectRef idx="0">
+            <a:schemeClr val="accent1"/>
+          </a:effectRef>
+          <a:fontRef idx="minor">
+            <a:schemeClr val="lt1"/>
+          </a:fontRef>
+        </p:style>
+        <p:txBody>
+          <a:bodyPr rtlCol="0" anchor="ctr"/>
+          <a:lstStyle/>
+          <a:p>
+            <a:pPr algn="r"/>
+            <a:r>
+              <a:rPr lang="en-GB" sz="1100" dirty="0" smtClean="0">
+                <a:solidFill>
+                  <a:schemeClr val="tx1"/>
+                </a:solidFill>
+              </a:rPr>
+              <a:t>SW</a:t>
+            </a:r>
+            <a:endParaRPr lang="en-GB" sz="1100" dirty="0">
+              <a:solidFill>
+                <a:schemeClr val="tx1"/>
+              </a:solidFill>
+            </a:endParaRPr>
+          </a:p>
+        </p:txBody>
+      </p:sp>
+      <p:sp>
+        <p:nvSpPr>
+          <p:cNvPr id="4" name="Rectangle 3"/>
+          <p:cNvSpPr/>
+          <p:nvPr/>
+        </p:nvSpPr>
+        <p:spPr>
+          <a:xfrm>
+            <a:off x="6732240" y="3651870"/>
+            <a:ext cx="432048" cy="318266"/>
+          </a:xfrm>
+          <a:prstGeom prst="rect">
+            <a:avLst/>
+          </a:prstGeom>
+          <a:solidFill>
+            <a:schemeClr val="bg1"/>
+          </a:solidFill>
+          <a:ln>
+            <a:solidFill>
+              <a:schemeClr val="bg1"/>
+            </a:solidFill>
+          </a:ln>
+        </p:spPr>
+        <p:style>
+          <a:lnRef idx="2">
+            <a:schemeClr val="accent1">
+              <a:shade val="50000"/>
+            </a:schemeClr>
+          </a:lnRef>
+          <a:fillRef idx="1">
+            <a:schemeClr val="accent1"/>
+          </a:fillRef>
+          <a:effectRef idx="0">
+            <a:schemeClr val="accent1"/>
+          </a:effectRef>
+          <a:fontRef idx="minor">
+            <a:schemeClr val="lt1"/>
+          </a:fontRef>
+        </p:style>
+        <p:txBody>
+          <a:bodyPr rtlCol="0" anchor="ctr"/>
+          <a:lstStyle/>
+          <a:p>
+            <a:pPr algn="ctr"/>
+            <a:endParaRPr lang="en-GB"/>
+          </a:p>
+        </p:txBody>
+      </p:sp>
+      <p:cxnSp>
+        <p:nvCxnSpPr>
+          <p:cNvPr id="10" name="Straight Connector 9"/>
+          <p:cNvCxnSpPr/>
+          <p:nvPr/>
+        </p:nvCxnSpPr>
+        <p:spPr>
+          <a:xfrm>
+            <a:off x="6660232" y="3867894"/>
+            <a:ext cx="648072" cy="0"/>
+          </a:xfrm>
+          <a:prstGeom prst="line">
+            <a:avLst/>
+          </a:prstGeom>
+        </p:spPr>
+        <p:style>
+          <a:lnRef idx="1">
+            <a:schemeClr val="accent1"/>
+          </a:lnRef>
+          <a:fillRef idx="0">
+            <a:schemeClr val="accent1"/>
+          </a:fillRef>
+          <a:effectRef idx="0">
+            <a:schemeClr val="accent1"/>
+          </a:effectRef>
+          <a:fontRef idx="minor">
+            <a:schemeClr val="tx1"/>
+          </a:fontRef>
+        </p:style>
+      </p:cxnSp>
+      <p:sp>
+        <p:nvSpPr>
+          <p:cNvPr id="32" name="Rectangle 31"/>
+          <p:cNvSpPr/>
+          <p:nvPr/>
+        </p:nvSpPr>
+        <p:spPr>
+          <a:xfrm>
+            <a:off x="519448" y="1566672"/>
+            <a:ext cx="2120528" cy="200406"/>
+          </a:xfrm>
+          <a:prstGeom prst="rect">
+            <a:avLst/>
+          </a:prstGeom>
+          <a:noFill/>
+          <a:ln w="38100">
+            <a:solidFill>
+              <a:srgbClr val="FF0000"/>
+            </a:solidFill>
+          </a:ln>
+        </p:spPr>
+        <p:style>
+          <a:lnRef idx="2">
+            <a:schemeClr val="accent1">
+              <a:shade val="50000"/>
+            </a:schemeClr>
+          </a:lnRef>
+          <a:fillRef idx="1">
+            <a:schemeClr val="accent1"/>
+          </a:fillRef>
+          <a:effectRef idx="0">
+            <a:schemeClr val="accent1"/>
+          </a:effectRef>
+          <a:fontRef idx="minor">
+            <a:schemeClr val="lt1"/>
+          </a:fontRef>
+        </p:style>
+        <p:txBody>
+          <a:bodyPr rtlCol="0" anchor="ctr"/>
+          <a:lstStyle/>
+          <a:p>
+            <a:pPr algn="r"/>
+            <a:r>
+              <a:rPr lang="en-GB" sz="1100" dirty="0" smtClean="0">
+                <a:solidFill>
+                  <a:schemeClr val="tx1"/>
+                </a:solidFill>
+              </a:rPr>
+              <a:t>SW</a:t>
+            </a:r>
+            <a:endParaRPr lang="en-GB" sz="1100" dirty="0">
+              <a:solidFill>
+                <a:schemeClr val="tx1"/>
+              </a:solidFill>
+            </a:endParaRPr>
+          </a:p>
+        </p:txBody>
+      </p:sp>
+      <p:sp>
+        <p:nvSpPr>
+          <p:cNvPr id="17" name="Rectangle 16"/>
+          <p:cNvSpPr/>
+          <p:nvPr/>
+        </p:nvSpPr>
+        <p:spPr>
+          <a:xfrm>
+            <a:off x="3305320" y="3757806"/>
+            <a:ext cx="2202784" cy="180000"/>
+          </a:xfrm>
+          <a:prstGeom prst="rect">
+            <a:avLst/>
+          </a:prstGeom>
+          <a:noFill/>
+          <a:ln w="38100">
+            <a:solidFill>
+              <a:srgbClr val="FF0000"/>
+            </a:solidFill>
+          </a:ln>
+        </p:spPr>
+        <p:style>
+          <a:lnRef idx="2">
+            <a:schemeClr val="accent1">
+              <a:shade val="50000"/>
+            </a:schemeClr>
+          </a:lnRef>
+          <a:fillRef idx="1">
+            <a:schemeClr val="accent1"/>
+          </a:fillRef>
+          <a:effectRef idx="0">
+            <a:schemeClr val="accent1"/>
+          </a:effectRef>
+          <a:fontRef idx="minor">
+            <a:schemeClr val="lt1"/>
+          </a:fontRef>
+        </p:style>
+        <p:txBody>
+          <a:bodyPr rtlCol="0" anchor="ctr"/>
+          <a:lstStyle/>
+          <a:p>
+            <a:pPr algn="r"/>
+            <a:r>
+              <a:rPr lang="en-GB" sz="1100" dirty="0" smtClean="0">
+                <a:solidFill>
+                  <a:schemeClr val="tx1"/>
+                </a:solidFill>
+              </a:rPr>
+              <a:t>TX1</a:t>
+            </a:r>
+            <a:endParaRPr lang="en-GB" sz="1100" dirty="0">
+              <a:solidFill>
+                <a:schemeClr val="tx1"/>
+              </a:solidFill>
+            </a:endParaRPr>
+          </a:p>
+        </p:txBody>
+      </p:sp>
+      <p:sp>
+        <p:nvSpPr>
+          <p:cNvPr id="18" name="Rectangle 17"/>
+          <p:cNvSpPr/>
+          <p:nvPr/>
+        </p:nvSpPr>
+        <p:spPr>
+          <a:xfrm>
+            <a:off x="3305320" y="3910206"/>
+            <a:ext cx="2202784" cy="180000"/>
+          </a:xfrm>
+          <a:prstGeom prst="rect">
+            <a:avLst/>
+          </a:prstGeom>
+          <a:noFill/>
+          <a:ln w="38100">
+            <a:solidFill>
+              <a:srgbClr val="FF0000"/>
+            </a:solidFill>
+          </a:ln>
+        </p:spPr>
+        <p:style>
+          <a:lnRef idx="2">
+            <a:schemeClr val="accent1">
+              <a:shade val="50000"/>
+            </a:schemeClr>
+          </a:lnRef>
+          <a:fillRef idx="1">
+            <a:schemeClr val="accent1"/>
+          </a:fillRef>
+          <a:effectRef idx="0">
+            <a:schemeClr val="accent1"/>
+          </a:effectRef>
+          <a:fontRef idx="minor">
+            <a:schemeClr val="lt1"/>
+          </a:fontRef>
+        </p:style>
+        <p:txBody>
+          <a:bodyPr rtlCol="0" anchor="ctr"/>
+          <a:lstStyle/>
+          <a:p>
+            <a:pPr algn="r"/>
+            <a:r>
+              <a:rPr lang="en-GB" sz="1100" dirty="0" smtClean="0">
+                <a:solidFill>
+                  <a:schemeClr val="tx1"/>
+                </a:solidFill>
+              </a:rPr>
+              <a:t>SCL</a:t>
+            </a:r>
+            <a:endParaRPr lang="en-GB" sz="1100" dirty="0">
+              <a:solidFill>
+                <a:schemeClr val="tx1"/>
+              </a:solidFill>
+            </a:endParaRPr>
+          </a:p>
+        </p:txBody>
+      </p:sp>
+      <p:sp>
+        <p:nvSpPr>
+          <p:cNvPr id="19" name="Rectangle 18"/>
+          <p:cNvSpPr/>
+          <p:nvPr/>
+        </p:nvSpPr>
+        <p:spPr>
+          <a:xfrm>
+            <a:off x="3305320" y="4062606"/>
+            <a:ext cx="2202784" cy="180000"/>
+          </a:xfrm>
+          <a:prstGeom prst="rect">
+            <a:avLst/>
+          </a:prstGeom>
+          <a:noFill/>
+          <a:ln w="38100">
+            <a:solidFill>
+              <a:srgbClr val="FF0000"/>
+            </a:solidFill>
+          </a:ln>
+        </p:spPr>
+        <p:style>
+          <a:lnRef idx="2">
+            <a:schemeClr val="accent1">
+              <a:shade val="50000"/>
+            </a:schemeClr>
+          </a:lnRef>
+          <a:fillRef idx="1">
+            <a:schemeClr val="accent1"/>
+          </a:fillRef>
+          <a:effectRef idx="0">
+            <a:schemeClr val="accent1"/>
+          </a:effectRef>
+          <a:fontRef idx="minor">
+            <a:schemeClr val="lt1"/>
+          </a:fontRef>
+        </p:style>
+        <p:txBody>
+          <a:bodyPr rtlCol="0" anchor="ctr"/>
+          <a:lstStyle/>
+          <a:p>
+            <a:pPr algn="r"/>
+            <a:r>
+              <a:rPr lang="en-GB" sz="1100" dirty="0" smtClean="0">
+                <a:solidFill>
+                  <a:schemeClr val="tx1"/>
+                </a:solidFill>
+              </a:rPr>
+              <a:t>SDA</a:t>
+            </a:r>
+            <a:endParaRPr lang="en-GB" sz="1100" dirty="0">
+              <a:solidFill>
+                <a:schemeClr val="tx1"/>
+              </a:solidFill>
+            </a:endParaRPr>
+          </a:p>
+        </p:txBody>
+      </p:sp>
     </p:spTree>
     <p:extLst>
       <p:ext uri="{BB962C8B-B14F-4D97-AF65-F5344CB8AC3E}">
-        <p14:creationId xmlns:p14="http://schemas.microsoft.com/office/powerpoint/2010/main" val="1666153811"/>
+        <p14:creationId xmlns:p14="http://schemas.microsoft.com/office/powerpoint/2010/main" val="167754047"/>
       </p:ext>
     </p:extLst>
   </p:cSld>
@@ -8325,10 +9055,10 @@
   </p:clrMapOvr>
   <mc:AlternateContent xmlns:mc="http://schemas.openxmlformats.org/markup-compatibility/2006" xmlns:p14="http://schemas.microsoft.com/office/powerpoint/2010/main">
     <mc:Choice Requires="p14">
-      <p:transition spd="slow" p14:dur="2000"/>
+      <p:transition spd="slow" p14:dur="2000" advClick="0"/>
     </mc:Choice>
     <mc:Fallback xmlns="">
-      <p:transition spd="slow"/>
+      <p:transition spd="slow" advClick="0"/>
     </mc:Fallback>
   </mc:AlternateContent>
   <p:timing>
@@ -8376,7 +9106,7 @@
             <a:pPr algn="l"/>
             <a:r>
               <a:rPr lang="en-GB" dirty="0" smtClean="0"/>
-              <a:t>Setup</a:t>
+              <a:t>I2C Bus Setup</a:t>
             </a:r>
             <a:endParaRPr lang="en-GB" dirty="0"/>
           </a:p>
@@ -8997,14 +9727,14 @@
       </p:cxnSp>
       <p:pic>
         <p:nvPicPr>
-          <p:cNvPr id="22" name="Picture 8" descr="C:\Users\admin\OneDrive\Desktop\Picture1.jpg"/>
+          <p:cNvPr id="25" name="Picture 4" descr="PIC16F17556 | Microchip Technology"/>
           <p:cNvPicPr>
             <a:picLocks noChangeAspect="1" noChangeArrowheads="1"/>
           </p:cNvPicPr>
           <p:nvPr/>
         </p:nvPicPr>
         <p:blipFill>
-          <a:blip r:embed="rId4">
+          <a:blip r:embed="rId4" cstate="print">
             <a:extLst>
               <a:ext uri="{28A0092B-C50C-407E-A947-70E740481C1C}">
                 <a14:useLocalDpi xmlns:a14="http://schemas.microsoft.com/office/drawing/2010/main" val="0"/>
@@ -9018,8 +9748,8 @@
         </p:blipFill>
         <p:spPr bwMode="auto">
           <a:xfrm>
-            <a:off x="4602592" y="3795886"/>
-            <a:ext cx="2320300" cy="1129258"/>
+            <a:off x="4644008" y="3919364"/>
+            <a:ext cx="2415427" cy="1178257"/>
           </a:xfrm>
           <a:prstGeom prst="rect">
             <a:avLst/>
@@ -9881,39 +10611,6 @@
           <a:effectLst/>
         </p:spPr>
       </p:pic>
-      <p:pic>
-        <p:nvPicPr>
-          <p:cNvPr id="2050" name="Picture 2"/>
-          <p:cNvPicPr>
-            <a:picLocks noChangeAspect="1" noChangeArrowheads="1"/>
-          </p:cNvPicPr>
-          <p:nvPr/>
-        </p:nvPicPr>
-        <p:blipFill>
-          <a:blip r:embed="rId4" cstate="print"/>
-          <a:srcRect/>
-          <a:stretch>
-            <a:fillRect/>
-          </a:stretch>
-        </p:blipFill>
-        <p:spPr bwMode="auto">
-          <a:xfrm>
-            <a:off x="6156176" y="51470"/>
-            <a:ext cx="2088282" cy="1215402"/>
-          </a:xfrm>
-          <a:prstGeom prst="rect">
-            <a:avLst/>
-          </a:prstGeom>
-          <a:noFill/>
-          <a:ln w="9525">
-            <a:noFill/>
-            <a:miter lim="800000"/>
-            <a:headEnd/>
-            <a:tailEnd/>
-          </a:ln>
-          <a:effectLst/>
-        </p:spPr>
-      </p:pic>
     </p:spTree>
     <p:extLst>
       <p:ext uri="{BB962C8B-B14F-4D97-AF65-F5344CB8AC3E}">
@@ -9996,16 +10693,68 @@
         </p:nvSpPr>
         <p:spPr/>
         <p:txBody>
-          <a:bodyPr/>
+          <a:bodyPr>
+            <a:normAutofit/>
+          </a:bodyPr>
           <a:lstStyle/>
           <a:p>
             <a:r>
               <a:rPr lang="en-GB" dirty="0" smtClean="0"/>
-              <a:t>Examine the sample code</a:t>
+              <a:t>Examine the sample </a:t>
+            </a:r>
+            <a:r>
+              <a:rPr lang="en-GB" dirty="0" smtClean="0"/>
+              <a:t>code</a:t>
             </a:r>
           </a:p>
           <a:p>
             <a:pPr lvl="1"/>
+            <a:r>
+              <a:rPr lang="en-GB" dirty="0" smtClean="0"/>
+              <a:t>Software I2C</a:t>
+            </a:r>
+          </a:p>
+          <a:p>
+            <a:pPr lvl="2"/>
+            <a:r>
+              <a:rPr lang="en-GB" dirty="0" smtClean="0"/>
+              <a:t>Set </a:t>
+            </a:r>
+            <a:r>
+              <a:rPr lang="en-GB" dirty="0"/>
+              <a:t>up the I</a:t>
+            </a:r>
+            <a:r>
+              <a:rPr lang="en-GB" baseline="30000" dirty="0"/>
+              <a:t>2</a:t>
+            </a:r>
+            <a:r>
+              <a:rPr lang="en-GB" dirty="0"/>
+              <a:t>C </a:t>
+            </a:r>
+          </a:p>
+          <a:p>
+            <a:pPr lvl="2"/>
+            <a:r>
+              <a:rPr lang="en-GB" dirty="0"/>
+              <a:t>Review demonstration(s) and see the </a:t>
+            </a:r>
+            <a:r>
+              <a:rPr lang="en-GB" dirty="0" smtClean="0"/>
+              <a:t>results</a:t>
+            </a:r>
+            <a:endParaRPr lang="en-GB" dirty="0"/>
+          </a:p>
+          <a:p>
+            <a:pPr lvl="1"/>
+            <a:r>
+              <a:rPr lang="en-GB" dirty="0" smtClean="0"/>
+              <a:t>Hardware I2c</a:t>
+            </a:r>
+            <a:endParaRPr lang="en-GB" dirty="0" smtClean="0"/>
+          </a:p>
+          <a:p>
+            <a:pPr lvl="2"/>
             <a:r>
               <a:rPr lang="en-GB" dirty="0" smtClean="0"/>
               <a:t>Using PPS select the I</a:t>
@@ -10020,14 +10769,14 @@
             </a:r>
           </a:p>
           <a:p>
-            <a:pPr lvl="1"/>
+            <a:pPr lvl="2"/>
             <a:r>
               <a:rPr lang="en-GB" dirty="0" smtClean="0"/>
               <a:t>Using PPS select the serial USART port</a:t>
             </a:r>
           </a:p>
           <a:p>
-            <a:pPr lvl="1"/>
+            <a:pPr lvl="2"/>
             <a:r>
               <a:rPr lang="en-GB" dirty="0" smtClean="0"/>
               <a:t>Set up the I</a:t>
@@ -10042,355 +10791,23 @@
             </a:r>
           </a:p>
           <a:p>
-            <a:pPr lvl="1"/>
+            <a:pPr lvl="2"/>
             <a:r>
               <a:rPr lang="en-GB" dirty="0" smtClean="0"/>
               <a:t>Review </a:t>
             </a:r>
             <a:r>
               <a:rPr lang="en-GB" dirty="0" smtClean="0"/>
-              <a:t>demonstrations and see </a:t>
+              <a:t>demonstration(s) </a:t>
             </a:r>
             <a:r>
               <a:rPr lang="en-GB" dirty="0" smtClean="0"/>
-              <a:t>the results</a:t>
+              <a:t>and see the results</a:t>
             </a:r>
             <a:endParaRPr lang="en-GB" dirty="0"/>
           </a:p>
         </p:txBody>
       </p:sp>
-      <p:graphicFrame>
-        <p:nvGraphicFramePr>
-          <p:cNvPr id="3" name="Table 2"/>
-          <p:cNvGraphicFramePr>
-            <a:graphicFrameLocks noGrp="1"/>
-          </p:cNvGraphicFramePr>
-          <p:nvPr>
-            <p:extLst>
-              <p:ext uri="{D42A27DB-BD31-4B8C-83A1-F6EECF244321}">
-                <p14:modId xmlns:p14="http://schemas.microsoft.com/office/powerpoint/2010/main" val="256449821"/>
-              </p:ext>
-            </p:extLst>
-          </p:nvPr>
-        </p:nvGraphicFramePr>
-        <p:xfrm>
-          <a:off x="1259632" y="3291830"/>
-          <a:ext cx="5328591" cy="1510062"/>
-        </p:xfrm>
-        <a:graphic>
-          <a:graphicData uri="http://schemas.openxmlformats.org/drawingml/2006/table">
-            <a:tbl>
-              <a:tblPr firstRow="1" bandRow="1">
-                <a:tableStyleId>{5C22544A-7EE6-4342-B048-85BDC9FD1C3A}</a:tableStyleId>
-              </a:tblPr>
-              <a:tblGrid>
-                <a:gridCol w="1258862"/>
-                <a:gridCol w="1321805"/>
-                <a:gridCol w="2747924"/>
-              </a:tblGrid>
-              <a:tr h="144016">
-                <a:tc>
-                  <a:txBody>
-                    <a:bodyPr/>
-                    <a:lstStyle/>
-                    <a:p>
-                      <a:r>
-                        <a:rPr lang="en-GB" sz="1000" dirty="0" smtClean="0"/>
-                        <a:t>Demo</a:t>
-                      </a:r>
-                      <a:r>
-                        <a:rPr lang="en-GB" sz="1000" baseline="0" dirty="0" smtClean="0"/>
-                        <a:t> number</a:t>
-                      </a:r>
-                      <a:endParaRPr lang="en-GB" sz="1000" dirty="0"/>
-                    </a:p>
-                  </a:txBody>
-                  <a:tcPr/>
-                </a:tc>
-                <a:tc>
-                  <a:txBody>
-                    <a:bodyPr/>
-                    <a:lstStyle/>
-                    <a:p>
-                      <a:r>
-                        <a:rPr lang="en-GB" sz="1000" dirty="0" smtClean="0"/>
-                        <a:t>Focus</a:t>
-                      </a:r>
-                      <a:endParaRPr lang="en-GB" sz="1000" dirty="0"/>
-                    </a:p>
-                  </a:txBody>
-                  <a:tcPr/>
-                </a:tc>
-                <a:tc>
-                  <a:txBody>
-                    <a:bodyPr/>
-                    <a:lstStyle/>
-                    <a:p>
-                      <a:r>
-                        <a:rPr lang="en-GB" sz="1000" dirty="0" smtClean="0"/>
-                        <a:t>Shows</a:t>
-                      </a:r>
-                      <a:r>
-                        <a:rPr lang="en-GB" sz="1000" baseline="0" dirty="0" smtClean="0"/>
-                        <a:t> </a:t>
-                      </a:r>
-                      <a:endParaRPr lang="en-GB" sz="1000" dirty="0"/>
-                    </a:p>
-                  </a:txBody>
-                  <a:tcPr/>
-                </a:tc>
-              </a:tr>
-              <a:tr h="376557">
-                <a:tc>
-                  <a:txBody>
-                    <a:bodyPr/>
-                    <a:lstStyle/>
-                    <a:p>
-                      <a:r>
-                        <a:rPr lang="en-GB" sz="1000" dirty="0" smtClean="0"/>
-                        <a:t>180</a:t>
-                      </a:r>
-                      <a:r>
-                        <a:rPr lang="en-GB" sz="1000" baseline="0" dirty="0" smtClean="0"/>
-                        <a:t> &amp; 190</a:t>
-                      </a:r>
-                      <a:endParaRPr lang="en-GB" sz="1000" dirty="0"/>
-                    </a:p>
-                  </a:txBody>
-                  <a:tcPr/>
-                </a:tc>
-                <a:tc>
-                  <a:txBody>
-                    <a:bodyPr/>
-                    <a:lstStyle/>
-                    <a:p>
-                      <a:r>
-                        <a:rPr lang="en-GB" sz="1000" dirty="0" smtClean="0"/>
-                        <a:t>128x32 &amp; 128x64</a:t>
-                      </a:r>
-                      <a:r>
-                        <a:rPr lang="en-GB" sz="1000" baseline="0" dirty="0" smtClean="0"/>
-                        <a:t> capability demos</a:t>
-                      </a:r>
-                      <a:endParaRPr lang="en-GB" sz="1000" dirty="0"/>
-                    </a:p>
-                  </a:txBody>
-                  <a:tcPr/>
-                </a:tc>
-                <a:tc>
-                  <a:txBody>
-                    <a:bodyPr/>
-                    <a:lstStyle/>
-                    <a:p>
-                      <a:r>
-                        <a:rPr lang="en-GB" sz="1000" dirty="0" smtClean="0"/>
-                        <a:t>Primitives</a:t>
-                      </a:r>
-                    </a:p>
-                    <a:p>
-                      <a:r>
-                        <a:rPr lang="en-GB" sz="1000" dirty="0" smtClean="0"/>
-                        <a:t>Memory</a:t>
-                      </a:r>
-                      <a:r>
-                        <a:rPr lang="en-GB" sz="1000" baseline="0" dirty="0" smtClean="0"/>
-                        <a:t> usage &amp; Transactions</a:t>
-                      </a:r>
-                      <a:endParaRPr lang="en-GB" sz="1000" dirty="0"/>
-                    </a:p>
-                  </a:txBody>
-                  <a:tcPr/>
-                </a:tc>
-              </a:tr>
-              <a:tr h="239322">
-                <a:tc>
-                  <a:txBody>
-                    <a:bodyPr/>
-                    <a:lstStyle/>
-                    <a:p>
-                      <a:r>
-                        <a:rPr lang="en-GB" sz="1000" dirty="0" smtClean="0"/>
-                        <a:t>200</a:t>
-                      </a:r>
-                      <a:endParaRPr lang="en-GB" sz="1000" dirty="0"/>
-                    </a:p>
-                  </a:txBody>
-                  <a:tcPr/>
-                </a:tc>
-                <a:tc>
-                  <a:txBody>
-                    <a:bodyPr/>
-                    <a:lstStyle/>
-                    <a:p>
-                      <a:r>
-                        <a:rPr lang="en-GB" sz="1000" dirty="0" smtClean="0"/>
-                        <a:t>BMP</a:t>
-                      </a:r>
-                      <a:r>
-                        <a:rPr lang="en-GB" sz="1000" baseline="0" dirty="0" smtClean="0"/>
-                        <a:t> converter </a:t>
-                      </a:r>
-                      <a:endParaRPr lang="en-GB" sz="1000" dirty="0"/>
-                    </a:p>
-                  </a:txBody>
-                  <a:tcPr/>
-                </a:tc>
-                <a:tc>
-                  <a:txBody>
-                    <a:bodyPr/>
-                    <a:lstStyle/>
-                    <a:p>
-                      <a:r>
-                        <a:rPr lang="en-GB" sz="1000" dirty="0" smtClean="0"/>
-                        <a:t>Converter</a:t>
-                      </a:r>
-                      <a:endParaRPr lang="en-GB" sz="1000" dirty="0"/>
-                    </a:p>
-                  </a:txBody>
-                  <a:tcPr/>
-                </a:tc>
-              </a:tr>
-              <a:tr h="273724">
-                <a:tc>
-                  <a:txBody>
-                    <a:bodyPr/>
-                    <a:lstStyle/>
-                    <a:p>
-                      <a:r>
-                        <a:rPr lang="en-GB" sz="1000" dirty="0" smtClean="0"/>
-                        <a:t>210</a:t>
-                      </a:r>
-                      <a:endParaRPr lang="en-GB" sz="1000" dirty="0"/>
-                    </a:p>
-                  </a:txBody>
-                  <a:tcPr/>
-                </a:tc>
-                <a:tc>
-                  <a:txBody>
-                    <a:bodyPr/>
-                    <a:lstStyle/>
-                    <a:p>
-                      <a:r>
-                        <a:rPr lang="en-GB" sz="1000" dirty="0" smtClean="0"/>
-                        <a:t>Sprite</a:t>
-                      </a:r>
-                      <a:endParaRPr lang="en-GB" sz="1000" dirty="0"/>
-                    </a:p>
-                  </a:txBody>
-                  <a:tcPr/>
-                </a:tc>
-                <a:tc>
-                  <a:txBody>
-                    <a:bodyPr/>
-                    <a:lstStyle/>
-                    <a:p>
-                      <a:r>
-                        <a:rPr lang="en-GB" sz="1000" dirty="0" smtClean="0"/>
-                        <a:t>Expose</a:t>
-                      </a:r>
-                      <a:r>
-                        <a:rPr lang="en-GB" sz="1000" baseline="0" dirty="0" smtClean="0"/>
-                        <a:t> buffer and custom I2C subroutine</a:t>
-                      </a:r>
-                      <a:endParaRPr lang="en-GB" sz="1000" dirty="0"/>
-                    </a:p>
-                  </a:txBody>
-                  <a:tcPr/>
-                </a:tc>
-              </a:tr>
-              <a:tr h="352418">
-                <a:tc>
-                  <a:txBody>
-                    <a:bodyPr/>
-                    <a:lstStyle/>
-                    <a:p>
-                      <a:r>
-                        <a:rPr lang="en-GB" sz="1000" dirty="0" smtClean="0"/>
-                        <a:t>220</a:t>
-                      </a:r>
-                      <a:endParaRPr lang="en-GB" sz="1000" dirty="0"/>
-                    </a:p>
-                  </a:txBody>
-                  <a:tcPr/>
-                </a:tc>
-                <a:tc>
-                  <a:txBody>
-                    <a:bodyPr/>
-                    <a:lstStyle/>
-                    <a:p>
-                      <a:r>
-                        <a:rPr lang="en-GB" sz="1000" dirty="0" smtClean="0"/>
-                        <a:t>Voltmeter</a:t>
-                      </a:r>
-                      <a:endParaRPr lang="en-GB" sz="1000" dirty="0"/>
-                    </a:p>
-                  </a:txBody>
-                  <a:tcPr/>
-                </a:tc>
-                <a:tc>
-                  <a:txBody>
-                    <a:bodyPr/>
-                    <a:lstStyle/>
-                    <a:p>
-                      <a:pPr marL="0" marR="0" indent="0" algn="l" defTabSz="342900" rtl="0" eaLnBrk="1" fontAlgn="auto" latinLnBrk="0" hangingPunct="1">
-                        <a:lnSpc>
-                          <a:spcPct val="100000"/>
-                        </a:lnSpc>
-                        <a:spcBef>
-                          <a:spcPts val="0"/>
-                        </a:spcBef>
-                        <a:spcAft>
-                          <a:spcPts val="0"/>
-                        </a:spcAft>
-                        <a:buClrTx/>
-                        <a:buSzTx/>
-                        <a:buFontTx/>
-                        <a:buNone/>
-                        <a:tabLst/>
-                        <a:defRPr/>
-                      </a:pPr>
-                      <a:r>
-                        <a:rPr lang="en-GB" sz="1000" b="0" kern="1200" dirty="0" smtClean="0">
-                          <a:solidFill>
-                            <a:schemeClr val="dk1"/>
-                          </a:solidFill>
-                          <a:effectLst/>
-                          <a:latin typeface="+mn-lt"/>
-                          <a:ea typeface="+mn-ea"/>
-                          <a:cs typeface="+mn-cs"/>
-                        </a:rPr>
-                        <a:t>Trig2places</a:t>
-                      </a:r>
-                      <a:r>
-                        <a:rPr lang="en-GB" sz="1000" b="0" kern="1200" baseline="0" dirty="0" smtClean="0">
-                          <a:solidFill>
-                            <a:schemeClr val="dk1"/>
-                          </a:solidFill>
-                          <a:effectLst/>
-                          <a:latin typeface="+mn-lt"/>
-                          <a:ea typeface="+mn-ea"/>
-                          <a:cs typeface="+mn-cs"/>
-                        </a:rPr>
-                        <a:t> &amp; Low level GLCD commands</a:t>
-                      </a:r>
-                      <a:endParaRPr lang="en-GB" sz="1000" b="0" kern="1200" dirty="0" smtClean="0">
-                        <a:solidFill>
-                          <a:schemeClr val="dk1"/>
-                        </a:solidFill>
-                        <a:effectLst/>
-                        <a:latin typeface="+mn-lt"/>
-                        <a:ea typeface="+mn-ea"/>
-                        <a:cs typeface="+mn-cs"/>
-                      </a:endParaRPr>
-                    </a:p>
-                  </a:txBody>
-                  <a:tcPr/>
-                </a:tc>
-              </a:tr>
-            </a:tbl>
-          </a:graphicData>
-        </a:graphic>
-      </p:graphicFrame>
     </p:spTree>
     <p:extLst>
       <p:ext uri="{BB962C8B-B14F-4D97-AF65-F5344CB8AC3E}">
@@ -10541,7 +10958,7 @@
       </p:sp>
       <p:sp>
         <p:nvSpPr>
-          <p:cNvPr id="3" name="Content Placeholder 2"/>
+          <p:cNvPr id="4" name="Content Placeholder 3"/>
           <p:cNvSpPr>
             <a:spLocks noGrp="1"/>
           </p:cNvSpPr>
@@ -10549,20 +10966,266 @@
             <p:ph idx="1"/>
           </p:nvPr>
         </p:nvSpPr>
+        <p:spPr/>
+        <p:txBody>
+          <a:bodyPr/>
+          <a:lstStyle/>
+          <a:p>
+            <a:endParaRPr lang="en-GB"/>
+          </a:p>
+        </p:txBody>
+      </p:sp>
+      <p:sp>
+        <p:nvSpPr>
+          <p:cNvPr id="5" name="Content Placeholder 2"/>
+          <p:cNvSpPr txBox="1">
+            <a:spLocks/>
+          </p:cNvSpPr>
+          <p:nvPr/>
+        </p:nvSpPr>
         <p:spPr>
           <a:xfrm>
             <a:off x="467544" y="987574"/>
             <a:ext cx="6447501" cy="4111476"/>
           </a:xfrm>
+          <a:prstGeom prst="rect">
+            <a:avLst/>
+          </a:prstGeom>
           <a:solidFill>
             <a:schemeClr val="bg1"/>
           </a:solidFill>
         </p:spPr>
         <p:txBody>
-          <a:bodyPr>
+          <a:bodyPr vert="horz" lIns="68580" tIns="34290" rIns="68580" bIns="34290" rtlCol="0">
             <a:noAutofit/>
           </a:bodyPr>
-          <a:lstStyle/>
+          <a:lstStyle>
+            <a:lvl1pPr marL="257175" indent="-257175" algn="l" defTabSz="342900" rtl="0" eaLnBrk="1" latinLnBrk="0" hangingPunct="1">
+              <a:spcBef>
+                <a:spcPts val="750"/>
+              </a:spcBef>
+              <a:spcAft>
+                <a:spcPts val="0"/>
+              </a:spcAft>
+              <a:buClr>
+                <a:schemeClr val="accent1"/>
+              </a:buClr>
+              <a:buSzPct val="80000"/>
+              <a:buFont typeface="Wingdings 3" charset="2"/>
+              <a:buChar char=""/>
+              <a:defRPr sz="1400" kern="1200">
+                <a:solidFill>
+                  <a:schemeClr val="tx1">
+                    <a:lumMod val="75000"/>
+                    <a:lumOff val="25000"/>
+                  </a:schemeClr>
+                </a:solidFill>
+                <a:latin typeface="+mn-lt"/>
+                <a:ea typeface="+mn-ea"/>
+                <a:cs typeface="+mn-cs"/>
+              </a:defRPr>
+            </a:lvl1pPr>
+            <a:lvl2pPr marL="557213" indent="-214313" algn="l" defTabSz="342900" rtl="0" eaLnBrk="1" latinLnBrk="0" hangingPunct="1">
+              <a:spcBef>
+                <a:spcPts val="750"/>
+              </a:spcBef>
+              <a:spcAft>
+                <a:spcPts val="0"/>
+              </a:spcAft>
+              <a:buClr>
+                <a:schemeClr val="accent1"/>
+              </a:buClr>
+              <a:buSzPct val="80000"/>
+              <a:buFont typeface="Wingdings 3" charset="2"/>
+              <a:buChar char=""/>
+              <a:defRPr sz="1200" kern="1200">
+                <a:solidFill>
+                  <a:schemeClr val="tx1">
+                    <a:lumMod val="75000"/>
+                    <a:lumOff val="25000"/>
+                  </a:schemeClr>
+                </a:solidFill>
+                <a:latin typeface="+mn-lt"/>
+                <a:ea typeface="+mn-ea"/>
+                <a:cs typeface="+mn-cs"/>
+              </a:defRPr>
+            </a:lvl2pPr>
+            <a:lvl3pPr marL="857250" indent="-171450" algn="l" defTabSz="342900" rtl="0" eaLnBrk="1" latinLnBrk="0" hangingPunct="1">
+              <a:spcBef>
+                <a:spcPts val="750"/>
+              </a:spcBef>
+              <a:spcAft>
+                <a:spcPts val="0"/>
+              </a:spcAft>
+              <a:buClr>
+                <a:schemeClr val="accent1"/>
+              </a:buClr>
+              <a:buSzPct val="80000"/>
+              <a:buFont typeface="Wingdings 3" charset="2"/>
+              <a:buChar char=""/>
+              <a:defRPr sz="1100" kern="1200">
+                <a:solidFill>
+                  <a:schemeClr val="tx1">
+                    <a:lumMod val="75000"/>
+                    <a:lumOff val="25000"/>
+                  </a:schemeClr>
+                </a:solidFill>
+                <a:latin typeface="+mn-lt"/>
+                <a:ea typeface="+mn-ea"/>
+                <a:cs typeface="+mn-cs"/>
+              </a:defRPr>
+            </a:lvl3pPr>
+            <a:lvl4pPr marL="1200150" indent="-171450" algn="l" defTabSz="342900" rtl="0" eaLnBrk="1" latinLnBrk="0" hangingPunct="1">
+              <a:spcBef>
+                <a:spcPts val="750"/>
+              </a:spcBef>
+              <a:spcAft>
+                <a:spcPts val="0"/>
+              </a:spcAft>
+              <a:buClr>
+                <a:schemeClr val="accent1"/>
+              </a:buClr>
+              <a:buSzPct val="80000"/>
+              <a:buFont typeface="Wingdings 3" charset="2"/>
+              <a:buChar char=""/>
+              <a:defRPr sz="900" kern="1200">
+                <a:solidFill>
+                  <a:schemeClr val="tx1">
+                    <a:lumMod val="75000"/>
+                    <a:lumOff val="25000"/>
+                  </a:schemeClr>
+                </a:solidFill>
+                <a:latin typeface="+mn-lt"/>
+                <a:ea typeface="+mn-ea"/>
+                <a:cs typeface="+mn-cs"/>
+              </a:defRPr>
+            </a:lvl4pPr>
+            <a:lvl5pPr marL="1543050" indent="-171450" algn="l" defTabSz="342900" rtl="0" eaLnBrk="1" latinLnBrk="0" hangingPunct="1">
+              <a:spcBef>
+                <a:spcPts val="750"/>
+              </a:spcBef>
+              <a:spcAft>
+                <a:spcPts val="0"/>
+              </a:spcAft>
+              <a:buClr>
+                <a:schemeClr val="accent1"/>
+              </a:buClr>
+              <a:buSzPct val="80000"/>
+              <a:buFont typeface="Wingdings 3" charset="2"/>
+              <a:buChar char=""/>
+              <a:defRPr sz="900" kern="1200">
+                <a:solidFill>
+                  <a:schemeClr val="tx1">
+                    <a:lumMod val="75000"/>
+                    <a:lumOff val="25000"/>
+                  </a:schemeClr>
+                </a:solidFill>
+                <a:latin typeface="+mn-lt"/>
+                <a:ea typeface="+mn-ea"/>
+                <a:cs typeface="+mn-cs"/>
+              </a:defRPr>
+            </a:lvl5pPr>
+            <a:lvl6pPr marL="1885950" indent="-171450" algn="l" defTabSz="342900" rtl="0" eaLnBrk="1" latinLnBrk="0" hangingPunct="1">
+              <a:spcBef>
+                <a:spcPts val="750"/>
+              </a:spcBef>
+              <a:spcAft>
+                <a:spcPts val="0"/>
+              </a:spcAft>
+              <a:buClr>
+                <a:schemeClr val="accent1"/>
+              </a:buClr>
+              <a:buSzPct val="80000"/>
+              <a:buFont typeface="Wingdings 3" charset="2"/>
+              <a:buChar char=""/>
+              <a:defRPr sz="900" kern="1200">
+                <a:solidFill>
+                  <a:schemeClr val="tx1">
+                    <a:lumMod val="75000"/>
+                    <a:lumOff val="25000"/>
+                  </a:schemeClr>
+                </a:solidFill>
+                <a:latin typeface="+mn-lt"/>
+                <a:ea typeface="+mn-ea"/>
+                <a:cs typeface="+mn-cs"/>
+              </a:defRPr>
+            </a:lvl6pPr>
+            <a:lvl7pPr marL="2228850" indent="-171450" algn="l" defTabSz="342900" rtl="0" eaLnBrk="1" latinLnBrk="0" hangingPunct="1">
+              <a:spcBef>
+                <a:spcPts val="750"/>
+              </a:spcBef>
+              <a:spcAft>
+                <a:spcPts val="0"/>
+              </a:spcAft>
+              <a:buClr>
+                <a:schemeClr val="accent1"/>
+              </a:buClr>
+              <a:buSzPct val="80000"/>
+              <a:buFont typeface="Wingdings 3" charset="2"/>
+              <a:buChar char=""/>
+              <a:defRPr sz="900" kern="1200">
+                <a:solidFill>
+                  <a:schemeClr val="tx1">
+                    <a:lumMod val="75000"/>
+                    <a:lumOff val="25000"/>
+                  </a:schemeClr>
+                </a:solidFill>
+                <a:latin typeface="+mn-lt"/>
+                <a:ea typeface="+mn-ea"/>
+                <a:cs typeface="+mn-cs"/>
+              </a:defRPr>
+            </a:lvl7pPr>
+            <a:lvl8pPr marL="2571750" indent="-171450" algn="l" defTabSz="342900" rtl="0" eaLnBrk="1" latinLnBrk="0" hangingPunct="1">
+              <a:spcBef>
+                <a:spcPts val="750"/>
+              </a:spcBef>
+              <a:spcAft>
+                <a:spcPts val="0"/>
+              </a:spcAft>
+              <a:buClr>
+                <a:schemeClr val="accent1"/>
+              </a:buClr>
+              <a:buSzPct val="80000"/>
+              <a:buFont typeface="Wingdings 3" charset="2"/>
+              <a:buChar char=""/>
+              <a:defRPr sz="900" kern="1200">
+                <a:solidFill>
+                  <a:schemeClr val="tx1">
+                    <a:lumMod val="75000"/>
+                    <a:lumOff val="25000"/>
+                  </a:schemeClr>
+                </a:solidFill>
+                <a:latin typeface="+mn-lt"/>
+                <a:ea typeface="+mn-ea"/>
+                <a:cs typeface="+mn-cs"/>
+              </a:defRPr>
+            </a:lvl8pPr>
+            <a:lvl9pPr marL="2914650" indent="-171450" algn="l" defTabSz="342900" rtl="0" eaLnBrk="1" latinLnBrk="0" hangingPunct="1">
+              <a:spcBef>
+                <a:spcPts val="750"/>
+              </a:spcBef>
+              <a:spcAft>
+                <a:spcPts val="0"/>
+              </a:spcAft>
+              <a:buClr>
+                <a:schemeClr val="accent1"/>
+              </a:buClr>
+              <a:buSzPct val="80000"/>
+              <a:buFont typeface="Wingdings 3" charset="2"/>
+              <a:buChar char=""/>
+              <a:defRPr sz="900" kern="1200">
+                <a:solidFill>
+                  <a:schemeClr val="tx1">
+                    <a:lumMod val="75000"/>
+                    <a:lumOff val="25000"/>
+                  </a:schemeClr>
+                </a:solidFill>
+                <a:latin typeface="+mn-lt"/>
+                <a:ea typeface="+mn-ea"/>
+                <a:cs typeface="+mn-cs"/>
+              </a:defRPr>
+            </a:lvl9pPr>
+          </a:lstStyle>
           <a:p>
             <a:pPr marL="180000" indent="-478483">
               <a:spcBef>
@@ -10572,7 +11235,7 @@
               <a:buAutoNum type="arabicPeriod"/>
             </a:pPr>
             <a:r>
-              <a:rPr lang="en-GB" sz="1100" dirty="0"/>
+              <a:rPr lang="en-GB" sz="1100" dirty="0" smtClean="0"/>
               <a:t>Install the hardware and make the board work – three LED programs</a:t>
             </a:r>
           </a:p>
@@ -10585,7 +11248,7 @@
               <a:buAutoNum type="arabicPeriod"/>
             </a:pPr>
             <a:r>
-              <a:rPr lang="en-GB" sz="1100" dirty="0"/>
+              <a:rPr lang="en-GB" sz="1100" dirty="0" smtClean="0"/>
               <a:t>Make  four LEDs flash in a sequence</a:t>
             </a:r>
           </a:p>
@@ -10598,7 +11261,7 @@
               <a:buAutoNum type="arabicPeriod"/>
             </a:pPr>
             <a:r>
-              <a:rPr lang="en-GB" sz="1100" dirty="0"/>
+              <a:rPr lang="en-GB" sz="1100" dirty="0" smtClean="0"/>
               <a:t>Set the LEDs to represent the value of ADC</a:t>
             </a:r>
           </a:p>
@@ -10611,7 +11274,7 @@
               <a:buAutoNum type="arabicPeriod"/>
             </a:pPr>
             <a:r>
-              <a:rPr lang="en-GB" sz="1100" dirty="0"/>
+              <a:rPr lang="en-GB" sz="1100" dirty="0" smtClean="0"/>
               <a:t>Sequence the LEDs with a delay using the value of ADC</a:t>
             </a:r>
           </a:p>
@@ -10624,7 +11287,7 @@
               <a:buAutoNum type="arabicPeriod"/>
             </a:pPr>
             <a:r>
-              <a:rPr lang="en-GB" sz="1100" dirty="0"/>
+              <a:rPr lang="en-GB" sz="1100" dirty="0" smtClean="0"/>
               <a:t>Using an input to set the state of the LEDs</a:t>
             </a:r>
           </a:p>
@@ -10637,7 +11300,7 @@
               <a:buAutoNum type="arabicPeriod"/>
             </a:pPr>
             <a:r>
-              <a:rPr lang="en-GB" sz="1100" dirty="0"/>
+              <a:rPr lang="en-GB" sz="1100" dirty="0" smtClean="0"/>
               <a:t>Using the reset switch</a:t>
             </a:r>
           </a:p>
@@ -10650,7 +11313,7 @@
               <a:buAutoNum type="arabicPeriod"/>
             </a:pPr>
             <a:r>
-              <a:rPr lang="en-GB" sz="1100" dirty="0"/>
+              <a:rPr lang="en-GB" sz="1100" dirty="0" smtClean="0"/>
               <a:t>Using the switch, ADC – make the LEDs flash in a sequence with reverse</a:t>
             </a:r>
           </a:p>
@@ -10663,7 +11326,7 @@
               <a:buAutoNum type="arabicPeriod"/>
             </a:pPr>
             <a:r>
-              <a:rPr lang="en-GB" sz="1100" dirty="0"/>
+              <a:rPr lang="en-GB" sz="1100" dirty="0" smtClean="0"/>
               <a:t>Using the serial to display values</a:t>
             </a:r>
           </a:p>
@@ -10677,9 +11340,8 @@
             </a:pPr>
             <a:r>
               <a:rPr lang="en-GB" sz="1100" dirty="0" smtClean="0"/>
-              <a:t>Using the timer0 overflow, 8bit timer, 16bit timer to flash the LEDs</a:t>
-            </a:r>
-            <a:endParaRPr lang="en-GB" sz="1100" dirty="0"/>
+              <a:t>Using the timer0:  16bit timer, 8bit timer and overflow  to flash the LEDs</a:t>
+            </a:r>
           </a:p>
           <a:p>
             <a:pPr marL="180000" indent="-478483">
@@ -10690,8 +11352,16 @@
               <a:buAutoNum type="arabicPeriod"/>
             </a:pPr>
             <a:r>
-              <a:rPr lang="en-GB" sz="1100" dirty="0"/>
-              <a:t>Using EEProm – showing values on the serial terminal, and more constants insights</a:t>
+              <a:rPr lang="en-GB" sz="1100" dirty="0" smtClean="0"/>
+              <a:t>Using </a:t>
+            </a:r>
+            <a:r>
+              <a:rPr lang="en-GB" sz="1100" dirty="0" err="1" smtClean="0"/>
+              <a:t>EEProm</a:t>
+            </a:r>
+            <a:r>
+              <a:rPr lang="en-GB" sz="1100" dirty="0" smtClean="0"/>
+              <a:t> – showing values on the serial terminal, and more constants insights</a:t>
             </a:r>
           </a:p>
           <a:p>
@@ -10703,7 +11373,7 @@
               <a:buAutoNum type="arabicPeriod"/>
             </a:pPr>
             <a:r>
-              <a:rPr lang="en-GB" sz="1100" dirty="0"/>
+              <a:rPr lang="en-GB" sz="1100" dirty="0" smtClean="0"/>
               <a:t>Using I2C with serial to discover I2C devices</a:t>
             </a:r>
           </a:p>
@@ -10716,7 +11386,7 @@
               <a:buAutoNum type="arabicPeriod"/>
             </a:pPr>
             <a:r>
-              <a:rPr lang="en-GB" sz="1100" b="1" dirty="0"/>
+              <a:rPr lang="en-GB" sz="1100" b="1" dirty="0" smtClean="0"/>
               <a:t>Using an I2C GCLD display</a:t>
             </a:r>
           </a:p>
@@ -10729,7 +11399,7 @@
               <a:buAutoNum type="arabicPeriod"/>
             </a:pPr>
             <a:r>
-              <a:rPr lang="en-GB" sz="1100" dirty="0"/>
+              <a:rPr lang="en-GB" sz="1100" dirty="0" smtClean="0"/>
               <a:t>Using a SPI GCLD display</a:t>
             </a:r>
           </a:p>
@@ -10742,8 +11412,8 @@
               <a:buAutoNum type="arabicPeriod"/>
             </a:pPr>
             <a:r>
-              <a:rPr lang="en-GB" sz="1100" dirty="0"/>
-              <a:t>Using PWM, 7  ways,  to dim the LEDS</a:t>
+              <a:rPr lang="en-GB" sz="1100" dirty="0" smtClean="0"/>
+              <a:t>Using PWM, many ways,  to dim the LEDS</a:t>
             </a:r>
           </a:p>
           <a:p>
@@ -10755,7 +11425,7 @@
               <a:buAutoNum type="arabicPeriod"/>
             </a:pPr>
             <a:r>
-              <a:rPr lang="en-GB" sz="1100" dirty="0"/>
+              <a:rPr lang="en-GB" sz="1100" dirty="0" smtClean="0"/>
               <a:t>Using an external interrupt to control an LED</a:t>
             </a:r>
           </a:p>
@@ -10768,8 +11438,16 @@
               <a:buAutoNum type="arabicPeriod"/>
             </a:pPr>
             <a:r>
-              <a:rPr lang="en-GB" sz="1100" dirty="0"/>
-              <a:t>Using storage within the chip – Progmem, SAF memory, EEPROM and DATA blocks</a:t>
+              <a:rPr lang="en-GB" sz="1100" dirty="0" smtClean="0"/>
+              <a:t>Using storage within the chip – </a:t>
+            </a:r>
+            <a:r>
+              <a:rPr lang="en-GB" sz="1100" dirty="0" err="1" smtClean="0"/>
+              <a:t>Progmem</a:t>
+            </a:r>
+            <a:r>
+              <a:rPr lang="en-GB" sz="1100" dirty="0" smtClean="0"/>
+              <a:t>, SAF memory, EEPROM and DATA blocks</a:t>
             </a:r>
           </a:p>
           <a:p>
@@ -10781,7 +11459,7 @@
               <a:buAutoNum type="arabicPeriod"/>
             </a:pPr>
             <a:r>
-              <a:rPr lang="en-GB" sz="1100" dirty="0"/>
+              <a:rPr lang="en-GB" sz="1100" dirty="0" smtClean="0"/>
               <a:t>Using CLC</a:t>
             </a:r>
           </a:p>
@@ -10794,7 +11472,7 @@
               <a:buAutoNum type="arabicPeriod"/>
             </a:pPr>
             <a:r>
-              <a:rPr lang="en-GB" sz="1100" dirty="0"/>
+              <a:rPr lang="en-GB" sz="1100" dirty="0" smtClean="0"/>
               <a:t>The GCBASIC tool chain</a:t>
             </a:r>
           </a:p>
@@ -10807,7 +11485,7 @@
               <a:buAutoNum type="arabicPeriod"/>
             </a:pPr>
             <a:r>
-              <a:rPr lang="en-GB" sz="1100" dirty="0"/>
+              <a:rPr lang="en-GB" sz="1100" dirty="0" smtClean="0"/>
               <a:t>Assembly , alternatives assemblers and MPLAB-X</a:t>
             </a:r>
           </a:p>
@@ -10820,7 +11498,7 @@
               <a:buAutoNum type="arabicPeriod"/>
             </a:pPr>
             <a:r>
-              <a:rPr lang="en-GB" sz="1100" dirty="0"/>
+              <a:rPr lang="en-GB" sz="1100" dirty="0" smtClean="0"/>
               <a:t>Summary</a:t>
             </a:r>
           </a:p>
@@ -10845,6 +11523,7 @@
               <a:spcBef>
                 <a:spcPts val="300"/>
               </a:spcBef>
+              <a:buFont typeface="Wingdings 3" charset="2"/>
               <a:buNone/>
             </a:pPr>
             <a:endParaRPr lang="en-GB" sz="700" dirty="0" smtClean="0"/>
@@ -11268,7 +11947,7 @@
           <a:p>
             <a:r>
               <a:rPr lang="en-GB" dirty="0" smtClean="0"/>
-              <a:t>PIC18FxxQ24</a:t>
+              <a:t>PIC16F175xx</a:t>
             </a:r>
           </a:p>
           <a:p>
@@ -11282,7 +11961,7 @@
       </p:sp>
       <p:pic>
         <p:nvPicPr>
-          <p:cNvPr id="10" name="Picture 2" descr="PIC18F26Q24"/>
+          <p:cNvPr id="7" name="Picture 4" descr="PIC16F17556 | Microchip Technology"/>
           <p:cNvPicPr>
             <a:picLocks noChangeAspect="1" noChangeArrowheads="1"/>
           </p:cNvPicPr>
@@ -11303,8 +11982,49 @@
         </p:blipFill>
         <p:spPr bwMode="auto">
           <a:xfrm>
-            <a:off x="1907705" y="4116163"/>
-            <a:ext cx="1280738" cy="922132"/>
+            <a:off x="6750880" y="3974993"/>
+            <a:ext cx="2415427" cy="1178257"/>
+          </a:xfrm>
+          <a:prstGeom prst="rect">
+            <a:avLst/>
+          </a:prstGeom>
+          <a:noFill/>
+          <a:extLst>
+            <a:ext uri="{909E8E84-426E-40DD-AFC4-6F175D3DCCD1}">
+              <a14:hiddenFill xmlns:a14="http://schemas.microsoft.com/office/drawing/2010/main">
+                <a:solidFill>
+                  <a:srgbClr val="FFFFFF"/>
+                </a:solidFill>
+              </a14:hiddenFill>
+            </a:ext>
+          </a:extLst>
+        </p:spPr>
+      </p:pic>
+      <p:pic>
+        <p:nvPicPr>
+          <p:cNvPr id="9" name="Picture 8" descr="VQFN / 28"/>
+          <p:cNvPicPr>
+            <a:picLocks noChangeAspect="1" noChangeArrowheads="1"/>
+          </p:cNvPicPr>
+          <p:nvPr/>
+        </p:nvPicPr>
+        <p:blipFill>
+          <a:blip r:embed="rId4">
+            <a:extLst>
+              <a:ext uri="{28A0092B-C50C-407E-A947-70E740481C1C}">
+                <a14:useLocalDpi xmlns:a14="http://schemas.microsoft.com/office/drawing/2010/main" val="0"/>
+              </a:ext>
+            </a:extLst>
+          </a:blip>
+          <a:srcRect/>
+          <a:stretch>
+            <a:fillRect/>
+          </a:stretch>
+        </p:blipFill>
+        <p:spPr bwMode="auto">
+          <a:xfrm>
+            <a:off x="2555776" y="4127004"/>
+            <a:ext cx="1142256" cy="1026246"/>
           </a:xfrm>
           <a:prstGeom prst="rect">
             <a:avLst/>
@@ -11688,7 +12408,7 @@
           <a:p>
             <a:r>
               <a:rPr lang="en-GB" dirty="0" smtClean="0"/>
-              <a:t>PIC18FxxQ24</a:t>
+              <a:t>PIC16F175xx</a:t>
             </a:r>
           </a:p>
           <a:p>
@@ -11702,7 +12422,7 @@
       </p:sp>
       <p:pic>
         <p:nvPicPr>
-          <p:cNvPr id="10" name="Picture 2" descr="PIC18F26Q24"/>
+          <p:cNvPr id="7" name="Picture 4" descr="PIC16F17556 | Microchip Technology"/>
           <p:cNvPicPr>
             <a:picLocks noChangeAspect="1" noChangeArrowheads="1"/>
           </p:cNvPicPr>
@@ -11723,8 +12443,49 @@
         </p:blipFill>
         <p:spPr bwMode="auto">
           <a:xfrm>
-            <a:off x="1907705" y="4116163"/>
-            <a:ext cx="1280738" cy="922132"/>
+            <a:off x="6750880" y="3974993"/>
+            <a:ext cx="2415427" cy="1178257"/>
+          </a:xfrm>
+          <a:prstGeom prst="rect">
+            <a:avLst/>
+          </a:prstGeom>
+          <a:noFill/>
+          <a:extLst>
+            <a:ext uri="{909E8E84-426E-40DD-AFC4-6F175D3DCCD1}">
+              <a14:hiddenFill xmlns:a14="http://schemas.microsoft.com/office/drawing/2010/main">
+                <a:solidFill>
+                  <a:srgbClr val="FFFFFF"/>
+                </a:solidFill>
+              </a14:hiddenFill>
+            </a:ext>
+          </a:extLst>
+        </p:spPr>
+      </p:pic>
+      <p:pic>
+        <p:nvPicPr>
+          <p:cNvPr id="9" name="Picture 8" descr="VQFN / 28"/>
+          <p:cNvPicPr>
+            <a:picLocks noChangeAspect="1" noChangeArrowheads="1"/>
+          </p:cNvPicPr>
+          <p:nvPr/>
+        </p:nvPicPr>
+        <p:blipFill>
+          <a:blip r:embed="rId4">
+            <a:extLst>
+              <a:ext uri="{28A0092B-C50C-407E-A947-70E740481C1C}">
+                <a14:useLocalDpi xmlns:a14="http://schemas.microsoft.com/office/drawing/2010/main" val="0"/>
+              </a:ext>
+            </a:extLst>
+          </a:blip>
+          <a:srcRect/>
+          <a:stretch>
+            <a:fillRect/>
+          </a:stretch>
+        </p:blipFill>
+        <p:spPr bwMode="auto">
+          <a:xfrm>
+            <a:off x="2555776" y="4127004"/>
+            <a:ext cx="1142256" cy="1026246"/>
           </a:xfrm>
           <a:prstGeom prst="rect">
             <a:avLst/>
@@ -11937,9 +12698,38 @@
           </a:p>
         </p:txBody>
       </p:sp>
+      <p:sp>
+        <p:nvSpPr>
+          <p:cNvPr id="11" name="Date Placeholder 3"/>
+          <p:cNvSpPr>
+            <a:spLocks noGrp="1"/>
+          </p:cNvSpPr>
+          <p:nvPr>
+            <p:ph type="dt" sz="half" idx="10"/>
+          </p:nvPr>
+        </p:nvSpPr>
+        <p:spPr>
+          <a:xfrm>
+            <a:off x="6113182" y="4384422"/>
+            <a:ext cx="354882" cy="305233"/>
+          </a:xfrm>
+        </p:spPr>
+        <p:txBody>
+          <a:bodyPr/>
+          <a:lstStyle/>
+          <a:p>
+            <a:fld id="{1E700B27-DE4C-4B9E-BB11-B9027034A00F}" type="datetimeFigureOut">
+              <a:rPr lang="en-US" smtClean="0"/>
+              <a:pPr/>
+              <a:t>12/5/2025</a:t>
+            </a:fld>
+            <a:endParaRPr lang="en-US" dirty="0"/>
+          </a:p>
+        </p:txBody>
+      </p:sp>
       <p:pic>
         <p:nvPicPr>
-          <p:cNvPr id="8" name="Picture 2" descr="PIC18F26Q24"/>
+          <p:cNvPr id="9" name="Picture 4" descr="PIC16F17556 | Microchip Technology"/>
           <p:cNvPicPr>
             <a:picLocks noChangeAspect="1" noChangeArrowheads="1"/>
           </p:cNvPicPr>
@@ -11960,8 +12750,8 @@
         </p:blipFill>
         <p:spPr bwMode="auto">
           <a:xfrm>
-            <a:off x="1907705" y="4116163"/>
-            <a:ext cx="1280738" cy="922132"/>
+            <a:off x="6750880" y="3974993"/>
+            <a:ext cx="2415427" cy="1178257"/>
           </a:xfrm>
           <a:prstGeom prst="rect">
             <a:avLst/>
@@ -11980,7 +12770,7 @@
       </p:pic>
       <p:pic>
         <p:nvPicPr>
-          <p:cNvPr id="10" name="Picture 8" descr="C:\Users\admin\OneDrive\Desktop\Picture1.jpg"/>
+          <p:cNvPr id="12" name="Picture 11" descr="VQFN / 28"/>
           <p:cNvPicPr>
             <a:picLocks noChangeAspect="1" noChangeArrowheads="1"/>
           </p:cNvPicPr>
@@ -12001,8 +12791,8 @@
         </p:blipFill>
         <p:spPr bwMode="auto">
           <a:xfrm>
-            <a:off x="3995936" y="3937587"/>
-            <a:ext cx="2320300" cy="1129258"/>
+            <a:off x="2555776" y="4127004"/>
+            <a:ext cx="1142256" cy="1026246"/>
           </a:xfrm>
           <a:prstGeom prst="rect">
             <a:avLst/>
@@ -12019,35 +12809,6 @@
           </a:extLst>
         </p:spPr>
       </p:pic>
-      <p:sp>
-        <p:nvSpPr>
-          <p:cNvPr id="11" name="Date Placeholder 3"/>
-          <p:cNvSpPr>
-            <a:spLocks noGrp="1"/>
-          </p:cNvSpPr>
-          <p:nvPr>
-            <p:ph type="dt" sz="half" idx="10"/>
-          </p:nvPr>
-        </p:nvSpPr>
-        <p:spPr>
-          <a:xfrm>
-            <a:off x="6113182" y="4384422"/>
-            <a:ext cx="354882" cy="305233"/>
-          </a:xfrm>
-        </p:spPr>
-        <p:txBody>
-          <a:bodyPr/>
-          <a:lstStyle/>
-          <a:p>
-            <a:fld id="{1E700B27-DE4C-4B9E-BB11-B9027034A00F}" type="datetimeFigureOut">
-              <a:rPr lang="en-US" smtClean="0"/>
-              <a:pPr/>
-              <a:t>12/1/2024</a:t>
-            </a:fld>
-            <a:endParaRPr lang="en-US" dirty="0"/>
-          </a:p>
-        </p:txBody>
-      </p:sp>
     </p:spTree>
     <p:extLst>
       <p:ext uri="{BB962C8B-B14F-4D97-AF65-F5344CB8AC3E}">
@@ -12111,7 +12872,7 @@
             <a:pPr algn="l"/>
             <a:r>
               <a:rPr lang="en-GB" dirty="0" smtClean="0"/>
-              <a:t>PIC18FxxQ24</a:t>
+              <a:t>PIC16F175xx</a:t>
             </a:r>
             <a:endParaRPr lang="en-GB" dirty="0"/>
           </a:p>
@@ -12130,71 +12891,120 @@
         <p:spPr/>
         <p:txBody>
           <a:bodyPr>
-            <a:normAutofit fontScale="92500" lnSpcReduction="10000"/>
+            <a:normAutofit fontScale="92500"/>
           </a:bodyPr>
           <a:lstStyle/>
           <a:p>
             <a:r>
               <a:rPr lang="en-GB" dirty="0" smtClean="0"/>
-              <a:t>PIC18-Q24 is a high performance PIC18 </a:t>
+              <a:t>PIC16165xx  is a high performance PIC16</a:t>
             </a:r>
           </a:p>
           <a:p>
             <a:pPr lvl="1"/>
             <a:r>
+              <a:rPr lang="en-GB" b="1" dirty="0"/>
+              <a:t>Digital and </a:t>
+            </a:r>
+            <a:r>
+              <a:rPr lang="en-GB" b="1" dirty="0" err="1"/>
+              <a:t>analog</a:t>
+            </a:r>
+            <a:r>
+              <a:rPr lang="en-GB" b="1" dirty="0"/>
+              <a:t> peripherals</a:t>
+            </a:r>
+            <a:r>
+              <a:rPr lang="en-GB" dirty="0"/>
+              <a:t> for flexible embedded control</a:t>
+            </a:r>
+          </a:p>
+          <a:p>
+            <a:pPr lvl="1"/>
+            <a:r>
+              <a:rPr lang="en-GB" b="1" dirty="0"/>
+              <a:t>10-bit ADC</a:t>
+            </a:r>
+            <a:r>
+              <a:rPr lang="en-GB" dirty="0"/>
+              <a:t> for accurate </a:t>
+            </a:r>
+            <a:r>
+              <a:rPr lang="en-GB" dirty="0" err="1"/>
+              <a:t>analog</a:t>
+            </a:r>
+            <a:r>
+              <a:rPr lang="en-GB" dirty="0"/>
+              <a:t> signal conversion</a:t>
+            </a:r>
+          </a:p>
+          <a:p>
+            <a:pPr lvl="1"/>
+            <a:r>
+              <a:rPr lang="en-GB" b="1" dirty="0"/>
+              <a:t>Multiple communication interfaces</a:t>
+            </a:r>
+            <a:r>
+              <a:rPr lang="en-GB" dirty="0"/>
+              <a:t> including UART (serial), I²C, and SPI</a:t>
+            </a:r>
+          </a:p>
+          <a:p>
+            <a:pPr lvl="1"/>
+            <a:r>
+              <a:rPr lang="en-GB" b="1" dirty="0"/>
+              <a:t>PWM modules</a:t>
+            </a:r>
+            <a:r>
+              <a:rPr lang="en-GB" dirty="0"/>
+              <a:t> with CCP and 16-bit resolution for precise timing and motor control</a:t>
+            </a:r>
+          </a:p>
+          <a:p>
+            <a:pPr lvl="1"/>
+            <a:r>
+              <a:rPr lang="en-GB" b="1" dirty="0"/>
+              <a:t>Configurable Logic Cells (CLCs)</a:t>
+            </a:r>
+            <a:r>
+              <a:rPr lang="en-GB" dirty="0"/>
+              <a:t> for custom hardware-level logic without external components</a:t>
+            </a:r>
+          </a:p>
+          <a:p>
+            <a:pPr lvl="1"/>
+            <a:r>
+              <a:rPr lang="en-GB" b="1" dirty="0"/>
+              <a:t>Integrated op amps</a:t>
+            </a:r>
+            <a:r>
+              <a:rPr lang="en-GB" dirty="0"/>
+              <a:t> for </a:t>
+            </a:r>
+            <a:r>
+              <a:rPr lang="en-GB" dirty="0" err="1"/>
+              <a:t>onboard</a:t>
+            </a:r>
+            <a:r>
+              <a:rPr lang="en-GB" dirty="0"/>
+              <a:t> </a:t>
+            </a:r>
+            <a:r>
+              <a:rPr lang="en-GB" dirty="0" err="1"/>
+              <a:t>analog</a:t>
+            </a:r>
+            <a:r>
+              <a:rPr lang="en-GB" dirty="0"/>
+              <a:t> signal conditioning and amplification</a:t>
+            </a:r>
+          </a:p>
+          <a:p>
+            <a:endParaRPr lang="en-GB" dirty="0" smtClean="0"/>
+          </a:p>
+          <a:p>
+            <a:r>
               <a:rPr lang="en-GB" dirty="0" smtClean="0"/>
-              <a:t>Digital and Analog peripherals </a:t>
-            </a:r>
-          </a:p>
-          <a:p>
-            <a:pPr lvl="1"/>
-            <a:r>
-              <a:rPr lang="en-GB" dirty="0" smtClean="0"/>
-              <a:t>10-bit ADC</a:t>
-            </a:r>
-          </a:p>
-          <a:p>
-            <a:pPr lvl="1"/>
-            <a:r>
-              <a:rPr lang="en-GB" dirty="0" smtClean="0"/>
-              <a:t>Multiple communication interfaces</a:t>
-            </a:r>
-          </a:p>
-          <a:p>
-            <a:pPr lvl="2"/>
-            <a:r>
-              <a:rPr lang="en-GB" dirty="0" smtClean="0"/>
-              <a:t>Serial, I2C and  SPI </a:t>
-            </a:r>
-          </a:p>
-          <a:p>
-            <a:pPr lvl="2"/>
-            <a:r>
-              <a:rPr lang="en-GB" dirty="0" smtClean="0"/>
-              <a:t>PWM – CCP/PWM and 16Bit</a:t>
-            </a:r>
-          </a:p>
-          <a:p>
-            <a:pPr lvl="1"/>
-            <a:r>
-              <a:rPr lang="en-GB" dirty="0" smtClean="0"/>
-              <a:t>Configurable Logic Cells</a:t>
-            </a:r>
-          </a:p>
-          <a:p>
-            <a:pPr lvl="1"/>
-            <a:r>
-              <a:rPr lang="en-GB" dirty="0" smtClean="0"/>
-              <a:t>Multi voltage domains</a:t>
-            </a:r>
-          </a:p>
-          <a:p>
-            <a:endParaRPr lang="en-GB" dirty="0" smtClean="0"/>
-          </a:p>
-          <a:p>
-            <a:r>
-              <a:rPr lang="en-GB" dirty="0" smtClean="0"/>
-              <a:t>The PIC18xxQ24 offers 28, 40 and 48-pin products in small footprint packages to support customers in a wide variety of applications. </a:t>
+              <a:t>The PIC16175xx offers 14, 20, 28, 40 and 44-pin products in small footprint packages to support customers in a wide variety of applications. </a:t>
             </a:r>
           </a:p>
           <a:p>
@@ -12203,6 +13013,11 @@
         </p:txBody>
       </p:sp>
     </p:spTree>
+    <p:extLst>
+      <p:ext uri="{BB962C8B-B14F-4D97-AF65-F5344CB8AC3E}">
+        <p14:creationId xmlns:p14="http://schemas.microsoft.com/office/powerpoint/2010/main" val="564288593"/>
+      </p:ext>
+    </p:extLst>
   </p:cSld>
   <p:clrMapOvr>
     <a:masterClrMapping/>
@@ -12409,11 +13224,19 @@
             </a:r>
             <a:r>
               <a:rPr lang="en-GB" sz="1100" dirty="0" smtClean="0"/>
-              <a:t>timer0 </a:t>
+              <a:t>timer0:  16bit timer, 8bit </a:t>
             </a:r>
             <a:r>
               <a:rPr lang="en-GB" sz="1100" dirty="0"/>
-              <a:t>overflow, 8bit timer, 16bit timer to flash the LEDs</a:t>
+              <a:t>timer and overflow </a:t>
+            </a:r>
+            <a:r>
+              <a:rPr lang="en-GB" sz="1100" dirty="0" smtClean="0"/>
+              <a:t> to </a:t>
+            </a:r>
+            <a:r>
+              <a:rPr lang="en-GB" sz="1100" dirty="0"/>
+              <a:t>flash the LEDs</a:t>
             </a:r>
           </a:p>
           <a:p>
@@ -12478,7 +13301,15 @@
             </a:pPr>
             <a:r>
               <a:rPr lang="en-GB" sz="1100" dirty="0"/>
-              <a:t>Using PWM, 7  ways,  to dim the LEDS</a:t>
+              <a:t>Using PWM, </a:t>
+            </a:r>
+            <a:r>
+              <a:rPr lang="en-GB" sz="1100" dirty="0" smtClean="0"/>
+              <a:t>many </a:t>
+            </a:r>
+            <a:r>
+              <a:rPr lang="en-GB" sz="1100" dirty="0"/>
+              <a:t>ways,  to dim the LEDS</a:t>
             </a:r>
           </a:p>
           <a:p>
@@ -12639,7 +13470,7 @@
     </p:spTree>
     <p:extLst>
       <p:ext uri="{BB962C8B-B14F-4D97-AF65-F5344CB8AC3E}">
-        <p14:creationId xmlns:p14="http://schemas.microsoft.com/office/powerpoint/2010/main" val="1947865557"/>
+        <p14:creationId xmlns:p14="http://schemas.microsoft.com/office/powerpoint/2010/main" val="3012722413"/>
       </p:ext>
     </p:extLst>
   </p:cSld>
@@ -12777,16 +13608,21 @@
           <a:p>
             <a:r>
               <a:rPr lang="en-GB" dirty="0" smtClean="0"/>
-              <a:t>GCBASIC is an Open Source compiler for PIC and AVR microcontrollers</a:t>
-            </a:r>
-          </a:p>
-          <a:p>
+              <a:t>GCBASIC is an Open Source compiler for </a:t>
+            </a:r>
+            <a:r>
+              <a:rPr lang="en-GB" dirty="0" smtClean="0"/>
+              <a:t>PIC, AVR  &amp; LGT microcontrollers</a:t>
+            </a:r>
             <a:endParaRPr lang="en-GB" dirty="0" smtClean="0"/>
           </a:p>
           <a:p>
+            <a:endParaRPr lang="en-GB" dirty="0" smtClean="0"/>
+          </a:p>
+          <a:p>
             <a:r>
               <a:rPr lang="en-GB" dirty="0" smtClean="0"/>
-              <a:t>GCBASIC now supports the 18FxxQ24 chip family</a:t>
+              <a:t>GCBASIC now supports the 16F175xx chip family</a:t>
             </a:r>
             <a:endParaRPr lang="en-GB" dirty="0"/>
           </a:p>
@@ -12907,7 +13743,7 @@
             <a:pPr marL="778521" lvl="1" indent="-478483"/>
             <a:r>
               <a:rPr lang="en-GB" dirty="0" smtClean="0"/>
-              <a:t>Test that you have the 18FxxQ24 attached</a:t>
+              <a:t>Test that you have the 16F175xx attached</a:t>
             </a:r>
           </a:p>
           <a:p>
@@ -12949,7 +13785,7 @@
           <a:p>
             <a:pPr marL="778521" lvl="1" indent="-478483"/>
             <a:r>
-              <a:rPr lang="en-GB" dirty="0" smtClean="0"/>
+              <a:rPr lang="en-GB" b="1" dirty="0" smtClean="0"/>
               <a:t>GLCD i2C device</a:t>
             </a:r>
           </a:p>
@@ -13235,26 +14071,20 @@
             </a:r>
           </a:p>
           <a:p>
-            <a:r>
-              <a:rPr lang="en-GB" dirty="0" smtClean="0"/>
-              <a:t>I2c device and circuit</a:t>
-            </a:r>
-          </a:p>
-          <a:p>
             <a:endParaRPr lang="en-GB" dirty="0"/>
           </a:p>
         </p:txBody>
       </p:sp>
       <p:sp>
         <p:nvSpPr>
-          <p:cNvPr id="5" name="TextBox 4"/>
+          <p:cNvPr id="4" name="TextBox 3"/>
           <p:cNvSpPr txBox="1"/>
           <p:nvPr/>
         </p:nvSpPr>
         <p:spPr>
           <a:xfrm>
-            <a:off x="2843808" y="1295349"/>
-            <a:ext cx="4356653" cy="3508649"/>
+            <a:off x="2483768" y="1275606"/>
+            <a:ext cx="4320480" cy="3785652"/>
           </a:xfrm>
           <a:prstGeom prst="rect">
             <a:avLst/>
@@ -13264,200 +14094,237 @@
           </a:solidFill>
         </p:spPr>
         <p:txBody>
-          <a:bodyPr wrap="square" lIns="121917" tIns="60958" rIns="121917" bIns="60958" rtlCol="0">
+          <a:bodyPr wrap="square" rtlCol="0">
             <a:spAutoFit/>
           </a:bodyPr>
           <a:lstStyle/>
           <a:p>
             <a:r>
-              <a:rPr lang="en-GB" sz="1100" b="1" dirty="0">
+              <a:rPr lang="en-GB" sz="1200" b="1" dirty="0" smtClean="0">
                 <a:latin typeface="Courier New" panose="02070309020205020404" pitchFamily="49" charset="0"/>
                 <a:cs typeface="Courier New" panose="02070309020205020404" pitchFamily="49" charset="0"/>
               </a:rPr>
               <a:t>    Hardware</a:t>
             </a:r>
-          </a:p>
-          <a:p>
-            <a:r>
-              <a:rPr lang="en-GB" sz="1100" b="1" dirty="0">
-                <a:latin typeface="Courier New" panose="02070309020205020404" pitchFamily="49" charset="0"/>
-                <a:cs typeface="Courier New" panose="02070309020205020404" pitchFamily="49" charset="0"/>
-              </a:rPr>
-              <a:t>    -------------------PORTA----------------</a:t>
-            </a:r>
-          </a:p>
-          <a:p>
-            <a:r>
-              <a:rPr lang="en-GB" sz="1100" b="1" dirty="0">
-                <a:latin typeface="Courier New" panose="02070309020205020404" pitchFamily="49" charset="0"/>
-                <a:cs typeface="Courier New" panose="02070309020205020404" pitchFamily="49" charset="0"/>
-              </a:rPr>
-              <a:t>    Bit#:  -7---6---5---4---3---2---1---0---</a:t>
-            </a:r>
-          </a:p>
-          <a:p>
-            <a:r>
-              <a:rPr lang="en-GB" sz="1100" b="1" dirty="0">
-                <a:latin typeface="Courier New" panose="02070309020205020404" pitchFamily="49" charset="0"/>
-                <a:cs typeface="Courier New" panose="02070309020205020404" pitchFamily="49" charset="0"/>
-              </a:rPr>
-              <a:t>    IO:    ----------------SW----------ADC-- </a:t>
-            </a:r>
-          </a:p>
-          <a:p>
-            <a:r>
-              <a:rPr lang="en-GB" sz="1100" b="1" dirty="0">
-                <a:latin typeface="Courier New" panose="02070309020205020404" pitchFamily="49" charset="0"/>
-                <a:cs typeface="Courier New" panose="02070309020205020404" pitchFamily="49" charset="0"/>
-              </a:rPr>
-              <a:t>    ----------------------------------------</a:t>
-            </a:r>
-          </a:p>
-          <a:p>
-            <a:r>
-              <a:rPr lang="en-GB" sz="1100" b="1" dirty="0">
+            <a:r>
+              <a:rPr lang="en-GB" sz="1200" b="1" dirty="0">
                 <a:latin typeface="Courier New" panose="02070309020205020404" pitchFamily="49" charset="0"/>
                 <a:cs typeface="Courier New" panose="02070309020205020404" pitchFamily="49" charset="0"/>
               </a:rPr>
               <a:t/>
             </a:r>
             <a:br>
-              <a:rPr lang="en-GB" sz="1100" b="1" dirty="0">
+              <a:rPr lang="en-GB" sz="1200" b="1" dirty="0">
                 <a:latin typeface="Courier New" panose="02070309020205020404" pitchFamily="49" charset="0"/>
                 <a:cs typeface="Courier New" panose="02070309020205020404" pitchFamily="49" charset="0"/>
               </a:rPr>
             </a:br>
             <a:r>
-              <a:rPr lang="en-GB" sz="1100" b="1" dirty="0">
+              <a:rPr lang="en-GB" sz="1200" b="1" dirty="0">
                 <a:latin typeface="Courier New" panose="02070309020205020404" pitchFamily="49" charset="0"/>
                 <a:cs typeface="Courier New" panose="02070309020205020404" pitchFamily="49" charset="0"/>
               </a:rPr>
-              <a:t>    -------------------PORTB----------------</a:t>
-            </a:r>
-          </a:p>
-          <a:p>
-            <a:r>
-              <a:rPr lang="en-GB" sz="1100" b="1" dirty="0">
+              <a:t>// -------------------PORTA----------------</a:t>
+            </a:r>
+          </a:p>
+          <a:p>
+            <a:r>
+              <a:rPr lang="en-GB" sz="1200" b="1" dirty="0">
                 <a:latin typeface="Courier New" panose="02070309020205020404" pitchFamily="49" charset="0"/>
                 <a:cs typeface="Courier New" panose="02070309020205020404" pitchFamily="49" charset="0"/>
               </a:rPr>
-              <a:t>    Bit#:  -7---6---5---4---3---2---1---0---</a:t>
-            </a:r>
-          </a:p>
-          <a:p>
-            <a:r>
-              <a:rPr lang="en-GB" sz="1100" b="1" dirty="0">
+              <a:t>// Bit#:  -7---6---5---4---3---2---1---0---</a:t>
+            </a:r>
+          </a:p>
+          <a:p>
+            <a:r>
+              <a:rPr lang="en-GB" sz="1200" b="1" dirty="0">
                 <a:latin typeface="Courier New" panose="02070309020205020404" pitchFamily="49" charset="0"/>
                 <a:cs typeface="Courier New" panose="02070309020205020404" pitchFamily="49" charset="0"/>
               </a:rPr>
-              <a:t>    IO:    ----------------LED-LED-LED-LED--</a:t>
-            </a:r>
-          </a:p>
-          <a:p>
-            <a:r>
-              <a:rPr lang="en-GB" sz="1100" b="1" dirty="0">
+              <a:t>// IO:   -----------------SW----------ADC--</a:t>
+            </a:r>
+          </a:p>
+          <a:p>
+            <a:r>
+              <a:rPr lang="en-GB" sz="1200" b="1" dirty="0">
                 <a:latin typeface="Courier New" panose="02070309020205020404" pitchFamily="49" charset="0"/>
                 <a:cs typeface="Courier New" panose="02070309020205020404" pitchFamily="49" charset="0"/>
               </a:rPr>
-              <a:t>    ----------------------------------------</a:t>
-            </a:r>
-          </a:p>
-          <a:p>
-            <a:r>
-              <a:rPr lang="en-GB" sz="1100" b="1" dirty="0">
+              <a:t>// ----------------------------------------</a:t>
+            </a:r>
+          </a:p>
+          <a:p>
+            <a:endParaRPr lang="en-GB" sz="1200" b="1" dirty="0">
+              <a:latin typeface="Courier New" panose="02070309020205020404" pitchFamily="49" charset="0"/>
+              <a:cs typeface="Courier New" panose="02070309020205020404" pitchFamily="49" charset="0"/>
+            </a:endParaRPr>
+          </a:p>
+          <a:p>
+            <a:r>
+              <a:rPr lang="en-GB" sz="1200" b="1" dirty="0">
                 <a:latin typeface="Courier New" panose="02070309020205020404" pitchFamily="49" charset="0"/>
                 <a:cs typeface="Courier New" panose="02070309020205020404" pitchFamily="49" charset="0"/>
               </a:rPr>
-              <a:t>    </a:t>
-            </a:r>
-          </a:p>
-          <a:p>
-            <a:r>
-              <a:rPr lang="en-GB" sz="1100" b="1" dirty="0">
+              <a:t>// -------------------PORTB----------------</a:t>
+            </a:r>
+          </a:p>
+          <a:p>
+            <a:r>
+              <a:rPr lang="en-GB" sz="1200" b="1" dirty="0">
                 <a:latin typeface="Courier New" panose="02070309020205020404" pitchFamily="49" charset="0"/>
                 <a:cs typeface="Courier New" panose="02070309020205020404" pitchFamily="49" charset="0"/>
               </a:rPr>
-              <a:t>    ------------------PORTC-----------------</a:t>
-            </a:r>
-          </a:p>
-          <a:p>
-            <a:r>
-              <a:rPr lang="en-GB" sz="1100" b="1" dirty="0">
+              <a:t>// Bit#:  -7---6---5---4---3---2---1---0---</a:t>
+            </a:r>
+          </a:p>
+          <a:p>
+            <a:r>
+              <a:rPr lang="en-GB" sz="1200" b="1" dirty="0">
                 <a:latin typeface="Courier New" panose="02070309020205020404" pitchFamily="49" charset="0"/>
                 <a:cs typeface="Courier New" panose="02070309020205020404" pitchFamily="49" charset="0"/>
               </a:rPr>
-              <a:t>    Bit#:  -X---6---5---4---3---2---1---0---</a:t>
-            </a:r>
-          </a:p>
-          <a:p>
-            <a:r>
-              <a:rPr lang="en-GB" sz="1100" b="1" dirty="0">
+              <a:t>// IO:    ---------------------------------</a:t>
+            </a:r>
+          </a:p>
+          <a:p>
+            <a:r>
+              <a:rPr lang="en-GB" sz="1200" b="1" dirty="0">
                 <a:latin typeface="Courier New" panose="02070309020205020404" pitchFamily="49" charset="0"/>
                 <a:cs typeface="Courier New" panose="02070309020205020404" pitchFamily="49" charset="0"/>
               </a:rPr>
-              <a:t>    IO:    -^--TX------SCL-SDA--------------</a:t>
-            </a:r>
-          </a:p>
-          <a:p>
-            <a:r>
-              <a:rPr lang="en-GB" sz="1100" b="1" dirty="0">
+              <a:t>// ----------------------------------------</a:t>
+            </a:r>
+          </a:p>
+          <a:p>
+            <a:endParaRPr lang="en-GB" sz="1200" b="1" dirty="0">
+              <a:latin typeface="Courier New" panose="02070309020205020404" pitchFamily="49" charset="0"/>
+              <a:cs typeface="Courier New" panose="02070309020205020404" pitchFamily="49" charset="0"/>
+            </a:endParaRPr>
+          </a:p>
+          <a:p>
+            <a:r>
+              <a:rPr lang="en-GB" sz="1200" b="1" dirty="0">
                 <a:latin typeface="Courier New" panose="02070309020205020404" pitchFamily="49" charset="0"/>
                 <a:cs typeface="Courier New" panose="02070309020205020404" pitchFamily="49" charset="0"/>
               </a:rPr>
-              <a:t>    -----VDDIO2----------------------------- </a:t>
-            </a:r>
-          </a:p>
-          <a:p>
-            <a:r>
-              <a:rPr lang="en-GB" sz="1100" b="1" dirty="0">
+              <a:t>// </a:t>
+            </a:r>
+            <a:r>
+              <a:rPr lang="en-GB" sz="1200" b="1" dirty="0" smtClean="0">
                 <a:latin typeface="Courier New" panose="02070309020205020404" pitchFamily="49" charset="0"/>
                 <a:cs typeface="Courier New" panose="02070309020205020404" pitchFamily="49" charset="0"/>
               </a:rPr>
-              <a:t>    You must apply correct Voltage</a:t>
-            </a:r>
-          </a:p>
-          <a:p>
-            <a:r>
-              <a:rPr lang="en-GB" sz="1100" b="1" dirty="0">
+              <a:t>------------------</a:t>
+            </a:r>
+            <a:r>
+              <a:rPr lang="en-GB" sz="1200" b="1" dirty="0">
                 <a:latin typeface="Courier New" panose="02070309020205020404" pitchFamily="49" charset="0"/>
                 <a:cs typeface="Courier New" panose="02070309020205020404" pitchFamily="49" charset="0"/>
               </a:rPr>
-              <a:t>   </a:t>
-            </a:r>
-          </a:p>
-          <a:p>
-            <a:r>
-              <a:rPr lang="en-GB" sz="1100" b="1" dirty="0">
+              <a:t>PORTC-----------------</a:t>
+            </a:r>
+          </a:p>
+          <a:p>
+            <a:r>
+              <a:rPr lang="en-GB" sz="1200" b="1" dirty="0">
                 <a:latin typeface="Courier New" panose="02070309020205020404" pitchFamily="49" charset="0"/>
                 <a:cs typeface="Courier New" panose="02070309020205020404" pitchFamily="49" charset="0"/>
               </a:rPr>
-              <a:t>    ------------------PORTE-----------------</a:t>
-            </a:r>
-          </a:p>
-          <a:p>
-            <a:r>
-              <a:rPr lang="en-GB" sz="1100" b="1" dirty="0">
+              <a:t>// Bit#:  -7---6---5---4---3---2---1---0---</a:t>
+            </a:r>
+          </a:p>
+          <a:p>
+            <a:r>
+              <a:rPr lang="en-GB" sz="1200" b="1" dirty="0">
                 <a:latin typeface="Courier New" panose="02070309020205020404" pitchFamily="49" charset="0"/>
                 <a:cs typeface="Courier New" panose="02070309020205020404" pitchFamily="49" charset="0"/>
               </a:rPr>
-              <a:t>    Bit#:  -----------------3---------------</a:t>
-            </a:r>
-          </a:p>
-          <a:p>
-            <a:r>
-              <a:rPr lang="en-GB" sz="1100" b="1" dirty="0">
+              <a:t>// IO:    ----</a:t>
+            </a:r>
+            <a:r>
+              <a:rPr lang="en-GB" sz="1200" b="1" dirty="0" smtClean="0">
                 <a:latin typeface="Courier New" panose="02070309020205020404" pitchFamily="49" charset="0"/>
                 <a:cs typeface="Courier New" panose="02070309020205020404" pitchFamily="49" charset="0"/>
               </a:rPr>
-              <a:t>    IO:    ----------------SW---------------</a:t>
-            </a:r>
+              <a:t>TX1-SDA-SCL-LED-LED-LED-LED-</a:t>
+            </a:r>
+            <a:endParaRPr lang="en-GB" sz="1200" b="1" dirty="0">
+              <a:latin typeface="Courier New" panose="02070309020205020404" pitchFamily="49" charset="0"/>
+              <a:cs typeface="Courier New" panose="02070309020205020404" pitchFamily="49" charset="0"/>
+            </a:endParaRPr>
+          </a:p>
+          <a:p>
+            <a:r>
+              <a:rPr lang="en-GB" sz="1200" b="1" dirty="0">
+                <a:latin typeface="Courier New" panose="02070309020205020404" pitchFamily="49" charset="0"/>
+                <a:cs typeface="Courier New" panose="02070309020205020404" pitchFamily="49" charset="0"/>
+              </a:rPr>
+              <a:t>// ----------------------------------------</a:t>
+            </a:r>
+          </a:p>
+          <a:p>
+            <a:r>
+              <a:rPr lang="en-GB" sz="1200" b="1" dirty="0">
+                <a:latin typeface="Courier New" panose="02070309020205020404" pitchFamily="49" charset="0"/>
+                <a:cs typeface="Courier New" panose="02070309020205020404" pitchFamily="49" charset="0"/>
+              </a:rPr>
+              <a:t>//</a:t>
+            </a:r>
+          </a:p>
+          <a:p>
+            <a:r>
+              <a:rPr lang="en-GB" sz="1200" b="1" dirty="0">
+                <a:latin typeface="Courier New" panose="02070309020205020404" pitchFamily="49" charset="0"/>
+                <a:cs typeface="Courier New" panose="02070309020205020404" pitchFamily="49" charset="0"/>
+              </a:rPr>
+              <a:t>// ------------------PORTE-----------------</a:t>
+            </a:r>
+          </a:p>
+          <a:p>
+            <a:r>
+              <a:rPr lang="en-GB" sz="1200" b="1" dirty="0">
+                <a:latin typeface="Courier New" panose="02070309020205020404" pitchFamily="49" charset="0"/>
+                <a:cs typeface="Courier New" panose="02070309020205020404" pitchFamily="49" charset="0"/>
+              </a:rPr>
+              <a:t>// Bit#:  -7---6---5---4---3---2---1---0---</a:t>
+            </a:r>
+          </a:p>
+          <a:p>
+            <a:r>
+              <a:rPr lang="en-GB" sz="1200" b="1" dirty="0">
+                <a:latin typeface="Courier New" panose="02070309020205020404" pitchFamily="49" charset="0"/>
+                <a:cs typeface="Courier New" panose="02070309020205020404" pitchFamily="49" charset="0"/>
+              </a:rPr>
+              <a:t>// IO:    ----------------MCLR-------------</a:t>
+            </a:r>
+          </a:p>
+          <a:p>
+            <a:r>
+              <a:rPr lang="en-GB" sz="1200" b="1" dirty="0">
+                <a:latin typeface="Courier New" panose="02070309020205020404" pitchFamily="49" charset="0"/>
+                <a:cs typeface="Courier New" panose="02070309020205020404" pitchFamily="49" charset="0"/>
+              </a:rPr>
+              <a:t>// ------------------------SW-</a:t>
+            </a:r>
+            <a:r>
+              <a:rPr lang="en-GB" sz="1200" b="1" dirty="0" smtClean="0">
+                <a:latin typeface="Courier New" panose="02070309020205020404" pitchFamily="49" charset="0"/>
+                <a:cs typeface="Courier New" panose="02070309020205020404" pitchFamily="49" charset="0"/>
+              </a:rPr>
+              <a:t>-------------</a:t>
+            </a:r>
+            <a:endParaRPr lang="en-GB" sz="1200" b="1" dirty="0">
+              <a:latin typeface="Courier New" panose="02070309020205020404" pitchFamily="49" charset="0"/>
+              <a:cs typeface="Courier New" panose="02070309020205020404" pitchFamily="49" charset="0"/>
+            </a:endParaRPr>
           </a:p>
         </p:txBody>
       </p:sp>
     </p:spTree>
     <p:extLst>
       <p:ext uri="{BB962C8B-B14F-4D97-AF65-F5344CB8AC3E}">
-        <p14:creationId xmlns:p14="http://schemas.microsoft.com/office/powerpoint/2010/main" val="3213168251"/>
+        <p14:creationId xmlns:p14="http://schemas.microsoft.com/office/powerpoint/2010/main" val="462810598"/>
       </p:ext>
     </p:extLst>
   </p:cSld>
